--- a/Assessment/AssessmentTool.pptx
+++ b/Assessment/AssessmentTool.pptx
@@ -245,7 +245,7 @@
 <file path=ppt/revisionInfo.xml><?xml version="1.0" encoding="utf-8"?>
 <p1510:revInfo xmlns:a="http://schemas.openxmlformats.org/drawingml/2006/main" xmlns:r="http://schemas.openxmlformats.org/officeDocument/2006/relationships" xmlns:p1510="http://schemas.microsoft.com/office/powerpoint/2015/10/main">
   <p1510:revLst>
-    <p1510:client id="{F1E723AE-B68F-4992-A0FC-CF0518E85D06}" v="805" dt="2018-12-17T20:37:56.322"/>
+    <p1510:client id="{F81C9342-9336-4A03-A10E-3A008AFEEE96}" v="1" dt="2021-04-11T22:52:45.073"/>
   </p1510:revLst>
 </p1510:revInfo>
 </file>
@@ -336,7 +336,7 @@
               <a:rPr lang="en-US" smtClean="0">
                 <a:latin typeface="Segoe UI" pitchFamily="34" charset="0"/>
               </a:rPr>
-              <a:t>3/4/2021 10:52 AM</a:t>
+              <a:t>4/11/2021 6:30 PM</a:t>
             </a:fld>
             <a:endParaRPr lang="en-US" dirty="0">
               <a:latin typeface="Segoe UI" pitchFamily="34" charset="0"/>
@@ -614,7 +614,7 @@
           <a:p>
             <a:fld id="{38EEC551-8CDA-4EB6-89BB-2A86C9F091C8}" type="datetime8">
               <a:rPr lang="en-US" smtClean="0"/>
-              <a:t>3/4/2021 10:52 AM</a:t>
+              <a:t>4/11/2021 6:26 PM</a:t>
             </a:fld>
             <a:endParaRPr lang="en-US" dirty="0"/>
           </a:p>
@@ -1080,7 +1080,7 @@
                 <a:tabLst/>
                 <a:defRPr/>
               </a:pPr>
-              <a:t>3/4/2021 10:52 AM</a:t>
+              <a:t>4/11/2021 6:26 PM</a:t>
             </a:fld>
             <a:endParaRPr kumimoji="0" lang="en-US" sz="1200" b="0" i="0" u="none" strike="noStrike" kern="1200" cap="none" spc="0" normalizeH="0" baseline="0" noProof="0">
               <a:ln>
@@ -1416,7 +1416,7 @@
                 <a:tabLst/>
                 <a:defRPr/>
               </a:pPr>
-              <a:t>3/4/2021 10:52 AM</a:t>
+              <a:t>4/11/2021 6:26 PM</a:t>
             </a:fld>
             <a:endParaRPr kumimoji="0" lang="en-US" sz="1200" b="0" i="0" u="none" strike="noStrike" kern="1200" cap="none" spc="0" normalizeH="0" baseline="0" noProof="0">
               <a:ln>
@@ -1752,7 +1752,7 @@
                 <a:tabLst/>
                 <a:defRPr/>
               </a:pPr>
-              <a:t>3/4/2021 10:52 AM</a:t>
+              <a:t>4/11/2021 6:26 PM</a:t>
             </a:fld>
             <a:endParaRPr kumimoji="0" lang="en-US" sz="1200" b="0" i="0" u="none" strike="noStrike" kern="1200" cap="none" spc="0" normalizeH="0" baseline="0" noProof="0">
               <a:ln>
@@ -2088,7 +2088,7 @@
                 <a:tabLst/>
                 <a:defRPr/>
               </a:pPr>
-              <a:t>3/4/2021 10:52 AM</a:t>
+              <a:t>4/11/2021 6:26 PM</a:t>
             </a:fld>
             <a:endParaRPr kumimoji="0" lang="en-US" sz="1200" b="0" i="0" u="none" strike="noStrike" kern="1200" cap="none" spc="0" normalizeH="0" baseline="0" noProof="0">
               <a:ln>
@@ -2193,7 +2193,7 @@
     </p:spTree>
     <p:extLst>
       <p:ext uri="{BB962C8B-B14F-4D97-AF65-F5344CB8AC3E}">
-        <p14:creationId xmlns:p14="http://schemas.microsoft.com/office/powerpoint/2010/main" val="4091213361"/>
+        <p14:creationId xmlns:p14="http://schemas.microsoft.com/office/powerpoint/2010/main" val="4026578153"/>
       </p:ext>
     </p:extLst>
   </p:cSld>
@@ -2424,7 +2424,7 @@
                 <a:tabLst/>
                 <a:defRPr/>
               </a:pPr>
-              <a:t>3/4/2021 10:52 AM</a:t>
+              <a:t>4/11/2021 6:26 PM</a:t>
             </a:fld>
             <a:endParaRPr kumimoji="0" lang="en-US" sz="1200" b="0" i="0" u="none" strike="noStrike" kern="1200" cap="none" spc="0" normalizeH="0" baseline="0" noProof="0">
               <a:ln>
@@ -2760,7 +2760,7 @@
                 <a:tabLst/>
                 <a:defRPr/>
               </a:pPr>
-              <a:t>3/4/2021 10:52 AM</a:t>
+              <a:t>4/11/2021 6:26 PM</a:t>
             </a:fld>
             <a:endParaRPr kumimoji="0" lang="en-US" sz="1200" b="0" i="0" u="none" strike="noStrike" kern="1200" cap="none" spc="0" normalizeH="0" baseline="0" noProof="0">
               <a:ln>
@@ -3096,7 +3096,7 @@
                 <a:tabLst/>
                 <a:defRPr/>
               </a:pPr>
-              <a:t>3/4/2021 10:52 AM</a:t>
+              <a:t>4/11/2021 6:26 PM</a:t>
             </a:fld>
             <a:endParaRPr kumimoji="0" lang="en-US" sz="1200" b="0" i="0" u="none" strike="noStrike" kern="1200" cap="none" spc="0" normalizeH="0" baseline="0" noProof="0">
               <a:ln>
@@ -3432,7 +3432,7 @@
                 <a:tabLst/>
                 <a:defRPr/>
               </a:pPr>
-              <a:t>3/4/2021 10:52 AM</a:t>
+              <a:t>4/11/2021 6:26 PM</a:t>
             </a:fld>
             <a:endParaRPr kumimoji="0" lang="en-US" sz="1200" b="0" i="0" u="none" strike="noStrike" kern="1200" cap="none" spc="0" normalizeH="0" baseline="0" noProof="0">
               <a:ln>
@@ -3768,7 +3768,7 @@
                 <a:tabLst/>
                 <a:defRPr/>
               </a:pPr>
-              <a:t>3/4/2021 10:52 AM</a:t>
+              <a:t>4/11/2021 6:26 PM</a:t>
             </a:fld>
             <a:endParaRPr kumimoji="0" lang="en-US" sz="1200" b="0" i="0" u="none" strike="noStrike" kern="1200" cap="none" spc="0" normalizeH="0" baseline="0" noProof="0">
               <a:ln>
@@ -4104,7 +4104,7 @@
                 <a:tabLst/>
                 <a:defRPr/>
               </a:pPr>
-              <a:t>3/4/2021 10:52 AM</a:t>
+              <a:t>4/11/2021 6:26 PM</a:t>
             </a:fld>
             <a:endParaRPr kumimoji="0" lang="en-US" sz="1200" b="0" i="0" u="none" strike="noStrike" kern="1200" cap="none" spc="0" normalizeH="0" baseline="0" noProof="0">
               <a:ln>
@@ -4440,7 +4440,7 @@
                 <a:tabLst/>
                 <a:defRPr/>
               </a:pPr>
-              <a:t>3/4/2021 10:52 AM</a:t>
+              <a:t>4/11/2021 6:26 PM</a:t>
             </a:fld>
             <a:endParaRPr kumimoji="0" lang="en-US" sz="1200" b="0" i="0" u="none" strike="noStrike" kern="1200" cap="none" spc="0" normalizeH="0" baseline="0" noProof="0">
               <a:ln>
@@ -4776,7 +4776,7 @@
                 <a:tabLst/>
                 <a:defRPr/>
               </a:pPr>
-              <a:t>3/4/2021 10:52 AM</a:t>
+              <a:t>4/11/2021 6:26 PM</a:t>
             </a:fld>
             <a:endParaRPr kumimoji="0" lang="en-US" sz="1200" b="0" i="0" u="none" strike="noStrike" kern="1200" cap="none" spc="0" normalizeH="0" baseline="0" noProof="0">
               <a:ln>
@@ -5112,7 +5112,7 @@
                 <a:tabLst/>
                 <a:defRPr/>
               </a:pPr>
-              <a:t>3/4/2021 10:52 AM</a:t>
+              <a:t>4/11/2021 6:26 PM</a:t>
             </a:fld>
             <a:endParaRPr kumimoji="0" lang="en-US" sz="1200" b="0" i="0" u="none" strike="noStrike" kern="1200" cap="none" spc="0" normalizeH="0" baseline="0" noProof="0">
               <a:ln>
@@ -5448,7 +5448,7 @@
                 <a:tabLst/>
                 <a:defRPr/>
               </a:pPr>
-              <a:t>3/4/2021 1:23 PM</a:t>
+              <a:t>4/11/2021 6:26 PM</a:t>
             </a:fld>
             <a:endParaRPr kumimoji="0" lang="en-US" sz="1200" b="0" i="0" u="none" strike="noStrike" kern="1200" cap="none" spc="0" normalizeH="0" baseline="0" noProof="0">
               <a:ln>
@@ -5784,7 +5784,7 @@
                 <a:tabLst/>
                 <a:defRPr/>
               </a:pPr>
-              <a:t>3/4/2021 1:45 PM</a:t>
+              <a:t>4/11/2021 6:26 PM</a:t>
             </a:fld>
             <a:endParaRPr kumimoji="0" lang="en-US" sz="1200" b="0" i="0" u="none" strike="noStrike" kern="1200" cap="none" spc="0" normalizeH="0" baseline="0" noProof="0">
               <a:ln>
@@ -6120,7 +6120,7 @@
                 <a:tabLst/>
                 <a:defRPr/>
               </a:pPr>
-              <a:t>3/4/2021 10:52 AM</a:t>
+              <a:t>4/11/2021 6:26 PM</a:t>
             </a:fld>
             <a:endParaRPr kumimoji="0" lang="en-US" sz="1200" b="0" i="0" u="none" strike="noStrike" kern="1200" cap="none" spc="0" normalizeH="0" baseline="0" noProof="0">
               <a:ln>
@@ -6456,7 +6456,7 @@
                 <a:tabLst/>
                 <a:defRPr/>
               </a:pPr>
-              <a:t>3/4/2021 10:52 AM</a:t>
+              <a:t>4/11/2021 6:26 PM</a:t>
             </a:fld>
             <a:endParaRPr kumimoji="0" lang="en-US" sz="1200" b="0" i="0" u="none" strike="noStrike" kern="1200" cap="none" spc="0" normalizeH="0" baseline="0" noProof="0">
               <a:ln>
@@ -6792,7 +6792,7 @@
                 <a:tabLst/>
                 <a:defRPr/>
               </a:pPr>
-              <a:t>3/4/2021 10:52 AM</a:t>
+              <a:t>4/11/2021 6:26 PM</a:t>
             </a:fld>
             <a:endParaRPr kumimoji="0" lang="en-US" sz="1200" b="0" i="0" u="none" strike="noStrike" kern="1200" cap="none" spc="0" normalizeH="0" baseline="0" noProof="0">
               <a:ln>
@@ -7128,7 +7128,7 @@
                 <a:tabLst/>
                 <a:defRPr/>
               </a:pPr>
-              <a:t>3/4/2021 1:14 PM</a:t>
+              <a:t>4/11/2021 6:26 PM</a:t>
             </a:fld>
             <a:endParaRPr kumimoji="0" lang="en-US" sz="1200" b="0" i="0" u="none" strike="noStrike" kern="1200" cap="none" spc="0" normalizeH="0" baseline="0" noProof="0">
               <a:ln>
@@ -7464,7 +7464,7 @@
                 <a:tabLst/>
                 <a:defRPr/>
               </a:pPr>
-              <a:t>3/4/2021 10:52 AM</a:t>
+              <a:t>4/11/2021 6:26 PM</a:t>
             </a:fld>
             <a:endParaRPr kumimoji="0" lang="en-US" sz="1200" b="0" i="0" u="none" strike="noStrike" kern="1200" cap="none" spc="0" normalizeH="0" baseline="0" noProof="0">
               <a:ln>
@@ -7800,7 +7800,7 @@
                 <a:tabLst/>
                 <a:defRPr/>
               </a:pPr>
-              <a:t>3/4/2021 10:52 AM</a:t>
+              <a:t>4/11/2021 6:26 PM</a:t>
             </a:fld>
             <a:endParaRPr kumimoji="0" lang="en-US" sz="1200" b="0" i="0" u="none" strike="noStrike" kern="1200" cap="none" spc="0" normalizeH="0" baseline="0" noProof="0">
               <a:ln>
@@ -8136,7 +8136,7 @@
                 <a:tabLst/>
                 <a:defRPr/>
               </a:pPr>
-              <a:t>3/4/2021 10:52 AM</a:t>
+              <a:t>4/11/2021 6:26 PM</a:t>
             </a:fld>
             <a:endParaRPr kumimoji="0" lang="en-US" sz="1200" b="0" i="0" u="none" strike="noStrike" kern="1200" cap="none" spc="0" normalizeH="0" baseline="0" noProof="0">
               <a:ln>
@@ -8241,7 +8241,7 @@
     </p:spTree>
     <p:extLst>
       <p:ext uri="{BB962C8B-B14F-4D97-AF65-F5344CB8AC3E}">
-        <p14:creationId xmlns:p14="http://schemas.microsoft.com/office/powerpoint/2010/main" val="565029273"/>
+        <p14:creationId xmlns:p14="http://schemas.microsoft.com/office/powerpoint/2010/main" val="3416154328"/>
       </p:ext>
     </p:extLst>
   </p:cSld>
@@ -30604,7 +30604,7 @@
         </p:nvSpPr>
         <p:spPr>
           <a:xfrm>
-            <a:off x="210436" y="1170935"/>
+            <a:off x="218120" y="1170935"/>
             <a:ext cx="12015602" cy="5823590"/>
           </a:xfrm>
           <a:prstGeom prst="rect">
@@ -30892,711 +30892,154 @@
             </a:endParaRPr>
           </a:p>
           <a:p>
-            <a:pPr marL="588969" lvl="2" indent="-457200" defTabSz="1243380">
-              <a:spcBef>
-                <a:spcPts val="816"/>
-              </a:spcBef>
+            <a:pPr marL="342900" indent="-342900">
               <a:buFont typeface="+mj-lt"/>
               <a:buAutoNum type="arabicPeriod"/>
-              <a:defRPr/>
             </a:pPr>
             <a:r>
-              <a:rPr kumimoji="0" lang="en-US" sz="2067" i="0" u="none" strike="noStrike" kern="1200" cap="none" spc="0" normalizeH="0" baseline="0" noProof="0" dirty="0">
-                <a:ln>
-                  <a:noFill/>
-                </a:ln>
-                <a:gradFill>
-                  <a:gsLst>
-                    <a:gs pos="0">
-                      <a:srgbClr val="000000"/>
-                    </a:gs>
-                    <a:gs pos="86000">
-                      <a:srgbClr val="000000"/>
-                    </a:gs>
-                  </a:gsLst>
-                  <a:lin ang="5400000" scaled="0"/>
-                </a:gradFill>
+              <a:rPr lang="en-US" sz="1600" b="0" i="0" dirty="0">
                 <a:effectLst/>
-                <a:uLnTx/>
-                <a:uFillTx/>
-                <a:latin typeface="Segoe UI"/>
-                <a:ea typeface="+mn-ea"/>
-                <a:cs typeface="+mn-cs"/>
+                <a:latin typeface="Segoe UI" panose="020B0502040204020203" pitchFamily="34" charset="0"/>
               </a:rPr>
-              <a:t>Update the </a:t>
-            </a:r>
-            <a:r>
-              <a:rPr kumimoji="0" lang="en-US" sz="2067" i="0" u="none" strike="noStrike" kern="1200" cap="none" spc="0" normalizeH="0" baseline="0" noProof="0" dirty="0" err="1">
-                <a:ln>
-                  <a:noFill/>
-                </a:ln>
-                <a:gradFill>
-                  <a:gsLst>
-                    <a:gs pos="0">
-                      <a:srgbClr val="000000"/>
-                    </a:gs>
-                    <a:gs pos="86000">
-                      <a:srgbClr val="000000"/>
-                    </a:gs>
-                  </a:gsLst>
-                  <a:lin ang="5400000" scaled="0"/>
-                </a:gradFill>
+              <a:t>Edit </a:t>
+            </a:r>
+            <a:r>
+              <a:rPr lang="en-US" sz="1600" b="1" i="0" dirty="0" err="1">
                 <a:effectLst/>
-                <a:uLnTx/>
-                <a:uFillTx/>
-                <a:latin typeface="Segoe UI"/>
-                <a:ea typeface="+mn-ea"/>
-                <a:cs typeface="+mn-cs"/>
+                <a:latin typeface="Segoe UI" panose="020B0502040204020203" pitchFamily="34" charset="0"/>
               </a:rPr>
-              <a:t>General_Config</a:t>
-            </a:r>
-            <a:r>
-              <a:rPr kumimoji="0" lang="en-US" sz="2067" i="0" u="none" strike="noStrike" kern="1200" cap="none" spc="0" normalizeH="0" baseline="0" noProof="0" dirty="0">
-                <a:ln>
-                  <a:noFill/>
-                </a:ln>
-                <a:gradFill>
-                  <a:gsLst>
-                    <a:gs pos="0">
-                      <a:srgbClr val="000000"/>
-                    </a:gs>
-                    <a:gs pos="86000">
-                      <a:srgbClr val="000000"/>
-                    </a:gs>
-                  </a:gsLst>
-                  <a:lin ang="5400000" scaled="0"/>
-                </a:gradFill>
+              <a:t>AssessmentConfigFile.json</a:t>
+            </a:r>
+            <a:r>
+              <a:rPr lang="en-US" sz="1600" b="0" i="0" dirty="0">
                 <a:effectLst/>
-                <a:uLnTx/>
-                <a:uFillTx/>
-                <a:latin typeface="Segoe UI"/>
-                <a:ea typeface="+mn-ea"/>
-                <a:cs typeface="+mn-cs"/>
+                <a:latin typeface="Segoe UI" panose="020B0502040204020203" pitchFamily="34" charset="0"/>
               </a:rPr>
-              <a:t> section of the </a:t>
-            </a:r>
-            <a:r>
-              <a:rPr kumimoji="0" lang="en-US" sz="2067" i="0" u="none" strike="noStrike" kern="1200" cap="none" spc="0" normalizeH="0" baseline="0" noProof="0" dirty="0" err="1">
-                <a:ln>
-                  <a:noFill/>
-                </a:ln>
-                <a:gradFill>
-                  <a:gsLst>
-                    <a:gs pos="0">
-                      <a:srgbClr val="000000"/>
-                    </a:gs>
-                    <a:gs pos="86000">
-                      <a:srgbClr val="000000"/>
-                    </a:gs>
-                  </a:gsLst>
-                  <a:lin ang="5400000" scaled="0"/>
-                </a:gradFill>
+              <a:t> only if:</a:t>
+            </a:r>
+          </a:p>
+          <a:p>
+            <a:pPr lvl="1"/>
+            <a:r>
+              <a:rPr lang="en-US" sz="1600" b="0" i="0" dirty="0">
                 <a:effectLst/>
-                <a:uLnTx/>
-                <a:uFillTx/>
-                <a:latin typeface="Segoe UI"/>
-                <a:ea typeface="+mn-ea"/>
-                <a:cs typeface="+mn-cs"/>
+                <a:latin typeface="Segoe UI" panose="020B0502040204020203" pitchFamily="34" charset="0"/>
               </a:rPr>
-              <a:t>AssessmentDriverFile.json</a:t>
-            </a:r>
-            <a:endParaRPr kumimoji="0" lang="en-US" sz="2067" i="0" u="none" strike="noStrike" kern="1200" cap="none" spc="0" normalizeH="0" baseline="0" noProof="0" dirty="0">
-              <a:ln>
-                <a:noFill/>
-              </a:ln>
-              <a:gradFill>
-                <a:gsLst>
-                  <a:gs pos="0">
-                    <a:srgbClr val="000000"/>
-                  </a:gs>
-                  <a:gs pos="86000">
-                    <a:srgbClr val="000000"/>
-                  </a:gs>
-                </a:gsLst>
-                <a:lin ang="5400000" scaled="0"/>
-              </a:gradFill>
+              <a:t>Databases needs to be filtered</a:t>
+            </a:r>
+          </a:p>
+          <a:p>
+            <a:pPr lvl="1"/>
+            <a:r>
+              <a:rPr lang="en-US" sz="1600" b="0" i="0" dirty="0">
+                <a:effectLst/>
+                <a:latin typeface="Segoe UI" panose="020B0502040204020203" pitchFamily="34" charset="0"/>
+              </a:rPr>
+              <a:t>To create separate results folders for each run</a:t>
+            </a:r>
+          </a:p>
+          <a:p>
+            <a:pPr marL="0" indent="0">
+              <a:buNone/>
+            </a:pPr>
+            <a:endParaRPr lang="en-US" sz="1600" b="0" i="0" dirty="0">
               <a:effectLst/>
-              <a:uLnTx/>
-              <a:uFillTx/>
-              <a:latin typeface="Segoe UI"/>
-              <a:ea typeface="+mn-ea"/>
-              <a:cs typeface="+mn-cs"/>
+              <a:latin typeface="Segoe UI" panose="020B0502040204020203" pitchFamily="34" charset="0"/>
             </a:endParaRPr>
           </a:p>
           <a:p>
-            <a:pPr marL="746125" lvl="3" indent="-309563" defTabSz="1243380">
-              <a:spcBef>
-                <a:spcPts val="816"/>
-              </a:spcBef>
-              <a:defRPr/>
-            </a:pPr>
-            <a:r>
-              <a:rPr lang="en-US" sz="1533" dirty="0">
-                <a:gradFill>
-                  <a:gsLst>
-                    <a:gs pos="0">
-                      <a:srgbClr val="000000"/>
-                    </a:gs>
-                    <a:gs pos="86000">
-                      <a:srgbClr val="000000"/>
-                    </a:gs>
-                  </a:gsLst>
-                  <a:lin ang="5400000" scaled="0"/>
-                </a:gradFill>
-              </a:rPr>
-              <a:t>"</a:t>
-            </a:r>
-            <a:r>
-              <a:rPr lang="en-US" sz="1533" dirty="0" err="1">
-                <a:gradFill>
-                  <a:gsLst>
-                    <a:gs pos="0">
-                      <a:srgbClr val="000000"/>
-                    </a:gs>
-                    <a:gs pos="86000">
-                      <a:srgbClr val="000000"/>
-                    </a:gs>
-                  </a:gsLst>
-                  <a:lin ang="5400000" scaled="0"/>
-                </a:gradFill>
-              </a:rPr>
-              <a:t>PreAssessmentDriverFile</a:t>
-            </a:r>
-            <a:r>
-              <a:rPr lang="en-US" sz="1533" dirty="0">
-                <a:gradFill>
-                  <a:gsLst>
-                    <a:gs pos="0">
-                      <a:srgbClr val="000000"/>
-                    </a:gs>
-                    <a:gs pos="86000">
-                      <a:srgbClr val="000000"/>
-                    </a:gs>
-                  </a:gsLst>
-                  <a:lin ang="5400000" scaled="0"/>
-                </a:gradFill>
-              </a:rPr>
-              <a:t>":"C:\\TEMP\\SQLScriptstoRun.csv“</a:t>
-            </a:r>
-          </a:p>
-          <a:p>
-            <a:pPr marL="746125" lvl="3" indent="-309563" defTabSz="1243380">
-              <a:spcBef>
-                <a:spcPts val="816"/>
-              </a:spcBef>
-              <a:defRPr/>
-            </a:pPr>
-            <a:r>
-              <a:rPr lang="en-US" sz="1533" dirty="0">
-                <a:gradFill>
-                  <a:gsLst>
-                    <a:gs pos="0">
-                      <a:srgbClr val="000000"/>
-                    </a:gs>
-                    <a:gs pos="86000">
-                      <a:srgbClr val="000000"/>
-                    </a:gs>
-                  </a:gsLst>
-                  <a:lin ang="5400000" scaled="0"/>
-                </a:gradFill>
-              </a:rPr>
-              <a:t>"</a:t>
-            </a:r>
-            <a:r>
-              <a:rPr lang="en-US" sz="1533" dirty="0" err="1">
-                <a:gradFill>
-                  <a:gsLst>
-                    <a:gs pos="0">
-                      <a:srgbClr val="000000"/>
-                    </a:gs>
-                    <a:gs pos="86000">
-                      <a:srgbClr val="000000"/>
-                    </a:gs>
-                  </a:gsLst>
-                  <a:lin ang="5400000" scaled="0"/>
-                </a:gradFill>
-              </a:rPr>
-              <a:t>PreAssessmentOutputPath</a:t>
-            </a:r>
-            <a:r>
-              <a:rPr lang="en-US" sz="1533" dirty="0">
-                <a:gradFill>
-                  <a:gsLst>
-                    <a:gs pos="0">
-                      <a:srgbClr val="000000"/>
-                    </a:gs>
-                    <a:gs pos="86000">
-                      <a:srgbClr val="000000"/>
-                    </a:gs>
-                  </a:gsLst>
-                  <a:lin ang="5400000" scaled="0"/>
-                </a:gradFill>
-              </a:rPr>
-              <a:t>":"C:\\Temp\\Netezza\\Pre-Assessment“</a:t>
-            </a:r>
-          </a:p>
-          <a:p>
-            <a:pPr marL="746125" lvl="3" indent="-309563" defTabSz="1243380">
-              <a:spcBef>
-                <a:spcPts val="816"/>
-              </a:spcBef>
-              <a:defRPr/>
-            </a:pPr>
-            <a:r>
-              <a:rPr lang="en-US" sz="1533" dirty="0">
-                <a:gradFill>
-                  <a:gsLst>
-                    <a:gs pos="0">
-                      <a:srgbClr val="000000"/>
-                    </a:gs>
-                    <a:gs pos="86000">
-                      <a:srgbClr val="000000"/>
-                    </a:gs>
-                  </a:gsLst>
-                  <a:lin ang="5400000" scaled="0"/>
-                </a:gradFill>
-              </a:rPr>
-              <a:t>"ServerName":"192.xxx.xxx.xxx",</a:t>
-            </a:r>
-          </a:p>
-          <a:p>
-            <a:pPr marL="746125" lvl="3" indent="-309563" defTabSz="1243380">
-              <a:spcBef>
-                <a:spcPts val="816"/>
-              </a:spcBef>
-              <a:defRPr/>
-            </a:pPr>
-            <a:r>
-              <a:rPr lang="en-US" sz="1533" dirty="0">
-                <a:gradFill>
-                  <a:gsLst>
-                    <a:gs pos="0">
-                      <a:srgbClr val="000000"/>
-                    </a:gs>
-                    <a:gs pos="86000">
-                      <a:srgbClr val="000000"/>
-                    </a:gs>
-                  </a:gsLst>
-                  <a:lin ang="5400000" scaled="0"/>
-                </a:gradFill>
-              </a:rPr>
-              <a:t>"</a:t>
-            </a:r>
-            <a:r>
-              <a:rPr lang="en-US" sz="1533" dirty="0" err="1">
-                <a:gradFill>
-                  <a:gsLst>
-                    <a:gs pos="0">
-                      <a:srgbClr val="000000"/>
-                    </a:gs>
-                    <a:gs pos="86000">
-                      <a:srgbClr val="000000"/>
-                    </a:gs>
-                  </a:gsLst>
-                  <a:lin ang="5400000" scaled="0"/>
-                </a:gradFill>
-              </a:rPr>
-              <a:t>SourceSystem</a:t>
-            </a:r>
-            <a:r>
-              <a:rPr lang="en-US" sz="1533" dirty="0">
-                <a:gradFill>
-                  <a:gsLst>
-                    <a:gs pos="0">
-                      <a:srgbClr val="000000"/>
-                    </a:gs>
-                    <a:gs pos="86000">
-                      <a:srgbClr val="000000"/>
-                    </a:gs>
-                  </a:gsLst>
-                  <a:lin ang="5400000" scaled="0"/>
-                </a:gradFill>
-              </a:rPr>
-              <a:t>":“APS“  --NETEZZA or APS or AZUREDW</a:t>
-            </a:r>
-          </a:p>
-          <a:p>
-            <a:pPr marL="588969" lvl="2" indent="-457200" defTabSz="1243380">
-              <a:spcBef>
-                <a:spcPts val="816"/>
-              </a:spcBef>
+            <a:pPr marL="342900" indent="-342900">
               <a:buFont typeface="+mj-lt"/>
               <a:buAutoNum type="arabicPeriod"/>
-              <a:defRPr/>
             </a:pPr>
             <a:r>
-              <a:rPr lang="en-US" sz="1800" dirty="0">
-                <a:gradFill>
-                  <a:gsLst>
-                    <a:gs pos="0">
-                      <a:srgbClr val="000000"/>
-                    </a:gs>
-                    <a:gs pos="86000">
-                      <a:srgbClr val="000000"/>
-                    </a:gs>
-                  </a:gsLst>
-                  <a:lin ang="5400000" scaled="0"/>
-                </a:gradFill>
+              <a:rPr lang="en-US" sz="1600" dirty="0">
+                <a:latin typeface="Segoe UI" panose="020B0502040204020203" pitchFamily="34" charset="0"/>
               </a:rPr>
-              <a:t>Update the Source System specific section of the </a:t>
-            </a:r>
-            <a:r>
-              <a:rPr lang="en-US" sz="1800" dirty="0" err="1">
-                <a:gradFill>
-                  <a:gsLst>
-                    <a:gs pos="0">
-                      <a:srgbClr val="000000"/>
-                    </a:gs>
-                    <a:gs pos="86000">
-                      <a:srgbClr val="000000"/>
-                    </a:gs>
-                  </a:gsLst>
-                  <a:lin ang="5400000" scaled="0"/>
-                </a:gradFill>
+              <a:t>Edit </a:t>
+            </a:r>
+            <a:r>
+              <a:rPr lang="en-US" sz="1600" b="1" dirty="0">
+                <a:latin typeface="Segoe UI" panose="020B0502040204020203" pitchFamily="34" charset="0"/>
               </a:rPr>
-              <a:t>AssessmentDriverFile.json</a:t>
-            </a:r>
-            <a:endParaRPr lang="en-US" sz="1800" dirty="0">
-              <a:gradFill>
-                <a:gsLst>
-                  <a:gs pos="0">
-                    <a:srgbClr val="000000"/>
-                  </a:gs>
-                  <a:gs pos="86000">
-                    <a:srgbClr val="000000"/>
-                  </a:gs>
-                </a:gsLst>
-                <a:lin ang="5400000" scaled="0"/>
-              </a:gradFill>
+              <a:t>scripts/&lt;</a:t>
+            </a:r>
+            <a:r>
+              <a:rPr lang="en-US" sz="1600" b="1" dirty="0" err="1">
+                <a:latin typeface="Segoe UI" panose="020B0502040204020203" pitchFamily="34" charset="0"/>
+              </a:rPr>
+              <a:t>sourcesystem</a:t>
+            </a:r>
+            <a:r>
+              <a:rPr lang="en-US" sz="1600" b="1" dirty="0">
+                <a:latin typeface="Segoe UI" panose="020B0502040204020203" pitchFamily="34" charset="0"/>
+              </a:rPr>
+              <a:t>&gt;/SQLScriptstoRun.csv </a:t>
+            </a:r>
+            <a:r>
+              <a:rPr lang="en-US" sz="1600" dirty="0">
+                <a:latin typeface="Segoe UI" panose="020B0502040204020203" pitchFamily="34" charset="0"/>
+              </a:rPr>
+              <a:t>based on the information desired to be collected. This</a:t>
+            </a:r>
+            <a:r>
+              <a:rPr lang="en-US" sz="900" b="0" i="0" dirty="0">
+                <a:effectLst/>
+                <a:latin typeface="Segoe UI" panose="020B0502040204020203" pitchFamily="34" charset="0"/>
+              </a:rPr>
+              <a:t> </a:t>
+            </a:r>
+            <a:r>
+              <a:rPr lang="en-US" sz="1600" dirty="0">
+                <a:latin typeface="Segoe UI" panose="020B0502040204020203" pitchFamily="34" charset="0"/>
+              </a:rPr>
+              <a:t>file only needs to be edited if:</a:t>
+            </a:r>
+          </a:p>
+          <a:p>
+            <a:pPr lvl="1"/>
+            <a:r>
+              <a:rPr lang="en-US" sz="1600" dirty="0">
+                <a:latin typeface="Segoe UI" panose="020B0502040204020203" pitchFamily="34" charset="0"/>
+              </a:rPr>
+              <a:t>Need to not collect a specific results of a single query.</a:t>
+            </a:r>
+          </a:p>
+          <a:p>
+            <a:pPr lvl="1"/>
+            <a:r>
+              <a:rPr lang="en-US" sz="1600" dirty="0">
+                <a:latin typeface="Segoe UI" panose="020B0502040204020203" pitchFamily="34" charset="0"/>
+              </a:rPr>
+              <a:t>Need to Limit the results to a single DB.</a:t>
+            </a:r>
+          </a:p>
+          <a:p>
+            <a:pPr lvl="1"/>
+            <a:r>
+              <a:rPr lang="en-US" sz="1600" dirty="0">
+                <a:latin typeface="Segoe UI" panose="020B0502040204020203" pitchFamily="34" charset="0"/>
+              </a:rPr>
+              <a:t>Need to add a query to the result set.</a:t>
+            </a:r>
+          </a:p>
+          <a:p>
+            <a:pPr lvl="1"/>
+            <a:r>
+              <a:rPr lang="en-US" sz="1600" dirty="0">
+                <a:latin typeface="Segoe UI" panose="020B0502040204020203" pitchFamily="34" charset="0"/>
+              </a:rPr>
+              <a:t>Need to update a query to run on a specific version of the source system.</a:t>
+            </a:r>
+          </a:p>
+          <a:p>
+            <a:pPr marL="342900" indent="-342900">
+              <a:buFont typeface="+mj-lt"/>
+              <a:buAutoNum type="arabicPeriod"/>
+            </a:pPr>
+            <a:endParaRPr lang="en-US" sz="1600" dirty="0">
+              <a:latin typeface="Segoe UI" panose="020B0502040204020203" pitchFamily="34" charset="0"/>
             </a:endParaRPr>
-          </a:p>
-          <a:p>
-            <a:pPr marL="893762" lvl="3" indent="-457200" defTabSz="1243380">
-              <a:spcBef>
-                <a:spcPts val="816"/>
-              </a:spcBef>
-              <a:defRPr/>
-            </a:pPr>
-            <a:r>
-              <a:rPr lang="en-US" sz="1533" dirty="0">
-                <a:gradFill>
-                  <a:gsLst>
-                    <a:gs pos="0">
-                      <a:srgbClr val="000000"/>
-                    </a:gs>
-                    <a:gs pos="86000">
-                      <a:srgbClr val="000000"/>
-                    </a:gs>
-                  </a:gsLst>
-                  <a:lin ang="5400000" scaled="0"/>
-                </a:gradFill>
-              </a:rPr>
-              <a:t>APS</a:t>
-            </a:r>
-          </a:p>
-          <a:p>
-            <a:pPr marL="1198554" lvl="4" indent="-457200" defTabSz="1243380">
-              <a:spcBef>
-                <a:spcPts val="816"/>
-              </a:spcBef>
-              <a:defRPr/>
-            </a:pPr>
-            <a:r>
-              <a:rPr lang="en-US" sz="1266" dirty="0">
-                <a:gradFill>
-                  <a:gsLst>
-                    <a:gs pos="0">
-                      <a:srgbClr val="000000"/>
-                    </a:gs>
-                    <a:gs pos="86000">
-                      <a:srgbClr val="000000"/>
-                    </a:gs>
-                  </a:gsLst>
-                  <a:lin ang="5400000" scaled="0"/>
-                </a:gradFill>
-              </a:rPr>
-              <a:t>"Port":"17001“ – For APS = 17001, </a:t>
-            </a:r>
-            <a:r>
-              <a:rPr lang="en-US" sz="1266" dirty="0" err="1">
-                <a:gradFill>
-                  <a:gsLst>
-                    <a:gs pos="0">
-                      <a:srgbClr val="000000"/>
-                    </a:gs>
-                    <a:gs pos="86000">
-                      <a:srgbClr val="000000"/>
-                    </a:gs>
-                  </a:gsLst>
-                  <a:lin ang="5400000" scaled="0"/>
-                </a:gradFill>
-              </a:rPr>
-              <a:t>AzureDW</a:t>
-            </a:r>
-            <a:r>
-              <a:rPr lang="en-US" sz="1266" dirty="0">
-                <a:gradFill>
-                  <a:gsLst>
-                    <a:gs pos="0">
-                      <a:srgbClr val="000000"/>
-                    </a:gs>
-                    <a:gs pos="86000">
-                      <a:srgbClr val="000000"/>
-                    </a:gs>
-                  </a:gsLst>
-                  <a:lin ang="5400000" scaled="0"/>
-                </a:gradFill>
-              </a:rPr>
-              <a:t> = “” </a:t>
-            </a:r>
-          </a:p>
-          <a:p>
-            <a:pPr marL="893762" lvl="3" indent="-457200" defTabSz="1243380">
-              <a:spcBef>
-                <a:spcPts val="816"/>
-              </a:spcBef>
-              <a:defRPr/>
-            </a:pPr>
-            <a:r>
-              <a:rPr lang="en-US" sz="1533" dirty="0">
-                <a:gradFill>
-                  <a:gsLst>
-                    <a:gs pos="0">
-                      <a:srgbClr val="000000"/>
-                    </a:gs>
-                    <a:gs pos="86000">
-                      <a:srgbClr val="000000"/>
-                    </a:gs>
-                  </a:gsLst>
-                  <a:lin ang="5400000" scaled="0"/>
-                </a:gradFill>
-              </a:rPr>
-              <a:t>Netezza</a:t>
-            </a:r>
-          </a:p>
-          <a:p>
-            <a:pPr marL="1198554" lvl="4" indent="-457200" defTabSz="1243380">
-              <a:spcBef>
-                <a:spcPts val="816"/>
-              </a:spcBef>
-              <a:defRPr/>
-            </a:pPr>
-            <a:r>
-              <a:rPr lang="en-US" sz="1266" dirty="0">
-                <a:gradFill>
-                  <a:gsLst>
-                    <a:gs pos="0">
-                      <a:srgbClr val="000000"/>
-                    </a:gs>
-                    <a:gs pos="86000">
-                      <a:srgbClr val="000000"/>
-                    </a:gs>
-                  </a:gsLst>
-                  <a:lin ang="5400000" scaled="0"/>
-                </a:gradFill>
-              </a:rPr>
-              <a:t>"</a:t>
-            </a:r>
-            <a:r>
-              <a:rPr lang="en-US" sz="1266" dirty="0" err="1">
-                <a:gradFill>
-                  <a:gsLst>
-                    <a:gs pos="0">
-                      <a:srgbClr val="000000"/>
-                    </a:gs>
-                    <a:gs pos="86000">
-                      <a:srgbClr val="000000"/>
-                    </a:gs>
-                  </a:gsLst>
-                  <a:lin ang="5400000" scaled="0"/>
-                </a:gradFill>
-              </a:rPr>
-              <a:t>Database":"SYSTEM</a:t>
-            </a:r>
-            <a:r>
-              <a:rPr lang="en-US" sz="1266" dirty="0">
-                <a:gradFill>
-                  <a:gsLst>
-                    <a:gs pos="0">
-                      <a:srgbClr val="000000"/>
-                    </a:gs>
-                    <a:gs pos="86000">
-                      <a:srgbClr val="000000"/>
-                    </a:gs>
-                  </a:gsLst>
-                  <a:lin ang="5400000" scaled="0"/>
-                </a:gradFill>
-              </a:rPr>
-              <a:t>“  </a:t>
-            </a:r>
-          </a:p>
-          <a:p>
-            <a:pPr marL="1198554" lvl="4" indent="-457200" defTabSz="1243380">
-              <a:spcBef>
-                <a:spcPts val="816"/>
-              </a:spcBef>
-              <a:defRPr/>
-            </a:pPr>
-            <a:r>
-              <a:rPr lang="en-US" sz="1266" dirty="0">
-                <a:gradFill>
-                  <a:gsLst>
-                    <a:gs pos="0">
-                      <a:srgbClr val="000000"/>
-                    </a:gs>
-                    <a:gs pos="86000">
-                      <a:srgbClr val="000000"/>
-                    </a:gs>
-                  </a:gsLst>
-                  <a:lin ang="5400000" scaled="0"/>
-                </a:gradFill>
-              </a:rPr>
-              <a:t>“Port":"5480",  </a:t>
-            </a:r>
-          </a:p>
-          <a:p>
-            <a:pPr marL="1198554" lvl="4" indent="-457200" defTabSz="1243380">
-              <a:spcBef>
-                <a:spcPts val="816"/>
-              </a:spcBef>
-              <a:defRPr/>
-            </a:pPr>
-            <a:r>
-              <a:rPr lang="en-US" sz="1266" dirty="0">
-                <a:gradFill>
-                  <a:gsLst>
-                    <a:gs pos="0">
-                      <a:srgbClr val="000000"/>
-                    </a:gs>
-                    <a:gs pos="86000">
-                      <a:srgbClr val="000000"/>
-                    </a:gs>
-                  </a:gsLst>
-                  <a:lin ang="5400000" scaled="0"/>
-                </a:gradFill>
-              </a:rPr>
-              <a:t>“</a:t>
-            </a:r>
-            <a:r>
-              <a:rPr lang="en-US" sz="1266" dirty="0" err="1">
-                <a:gradFill>
-                  <a:gsLst>
-                    <a:gs pos="0">
-                      <a:srgbClr val="000000"/>
-                    </a:gs>
-                    <a:gs pos="86000">
-                      <a:srgbClr val="000000"/>
-                    </a:gs>
-                  </a:gsLst>
-                  <a:lin ang="5400000" scaled="0"/>
-                </a:gradFill>
-              </a:rPr>
-              <a:t>nzBinaryFolder</a:t>
-            </a:r>
-            <a:r>
-              <a:rPr lang="en-US" sz="1266" dirty="0">
-                <a:gradFill>
-                  <a:gsLst>
-                    <a:gs pos="0">
-                      <a:srgbClr val="000000"/>
-                    </a:gs>
-                    <a:gs pos="86000">
-                      <a:srgbClr val="000000"/>
-                    </a:gs>
-                  </a:gsLst>
-                  <a:lin ang="5400000" scaled="0"/>
-                </a:gradFill>
-              </a:rPr>
-              <a:t>":"/</a:t>
-            </a:r>
-            <a:r>
-              <a:rPr lang="en-US" sz="1266" dirty="0" err="1">
-                <a:gradFill>
-                  <a:gsLst>
-                    <a:gs pos="0">
-                      <a:srgbClr val="000000"/>
-                    </a:gs>
-                    <a:gs pos="86000">
-                      <a:srgbClr val="000000"/>
-                    </a:gs>
-                  </a:gsLst>
-                  <a:lin ang="5400000" scaled="0"/>
-                </a:gradFill>
-              </a:rPr>
-              <a:t>nz</a:t>
-            </a:r>
-            <a:r>
-              <a:rPr lang="en-US" sz="1266" dirty="0">
-                <a:gradFill>
-                  <a:gsLst>
-                    <a:gs pos="0">
-                      <a:srgbClr val="000000"/>
-                    </a:gs>
-                    <a:gs pos="86000">
-                      <a:srgbClr val="000000"/>
-                    </a:gs>
-                  </a:gsLst>
-                  <a:lin ang="5400000" scaled="0"/>
-                </a:gradFill>
-              </a:rPr>
-              <a:t>/support-IBM_Netezza-7.2.1-151023-1043/bin",</a:t>
-            </a:r>
-          </a:p>
-          <a:p>
-            <a:pPr marL="1198554" lvl="4" indent="-457200" defTabSz="1243380">
-              <a:spcBef>
-                <a:spcPts val="816"/>
-              </a:spcBef>
-              <a:defRPr/>
-            </a:pPr>
-            <a:r>
-              <a:rPr lang="en-US" sz="1266" dirty="0">
-                <a:gradFill>
-                  <a:gsLst>
-                    <a:gs pos="0">
-                      <a:srgbClr val="000000"/>
-                    </a:gs>
-                    <a:gs pos="86000">
-                      <a:srgbClr val="000000"/>
-                    </a:gs>
-                  </a:gsLst>
-                  <a:lin ang="5400000" scaled="0"/>
-                </a:gradFill>
-              </a:rPr>
-              <a:t>"</a:t>
-            </a:r>
-            <a:r>
-              <a:rPr lang="en-US" sz="1266" dirty="0" err="1">
-                <a:gradFill>
-                  <a:gsLst>
-                    <a:gs pos="0">
-                      <a:srgbClr val="000000"/>
-                    </a:gs>
-                    <a:gs pos="86000">
-                      <a:srgbClr val="000000"/>
-                    </a:gs>
-                  </a:gsLst>
-                  <a:lin ang="5400000" scaled="0"/>
-                </a:gradFill>
-              </a:rPr>
-              <a:t>SchemaExportFolder</a:t>
-            </a:r>
-            <a:r>
-              <a:rPr lang="en-US" sz="1266" dirty="0">
-                <a:gradFill>
-                  <a:gsLst>
-                    <a:gs pos="0">
-                      <a:srgbClr val="000000"/>
-                    </a:gs>
-                    <a:gs pos="86000">
-                      <a:srgbClr val="000000"/>
-                    </a:gs>
-                  </a:gsLst>
-                  <a:lin ang="5400000" scaled="0"/>
-                </a:gradFill>
-              </a:rPr>
-              <a:t>":"~/schema"</a:t>
-            </a:r>
           </a:p>
         </p:txBody>
       </p:sp>
@@ -31696,7 +31139,7 @@
         </p:spPr>
         <p:txBody>
           <a:bodyPr vert="horz" wrap="square" lIns="186521" tIns="93260" rIns="93260" bIns="93260" rtlCol="0">
-            <a:normAutofit/>
+            <a:normAutofit fontScale="92500" lnSpcReduction="10000"/>
           </a:bodyPr>
           <a:lstStyle>
             <a:lvl1pPr marL="304792" indent="-304792" algn="l" defTabSz="1219120" rtl="0" eaLnBrk="1" latinLnBrk="0" hangingPunct="1">
@@ -32065,6 +31508,124 @@
               <a:defRPr/>
             </a:pPr>
             <a:r>
+              <a:rPr lang="en-US" sz="1800" b="1" dirty="0">
+                <a:gradFill>
+                  <a:gsLst>
+                    <a:gs pos="0">
+                      <a:srgbClr val="000000"/>
+                    </a:gs>
+                    <a:gs pos="86000">
+                      <a:srgbClr val="000000"/>
+                    </a:gs>
+                  </a:gsLst>
+                  <a:lin ang="5400000" scaled="0"/>
+                </a:gradFill>
+                <a:latin typeface="Segoe UI"/>
+              </a:rPr>
+              <a:t>Source System Type: </a:t>
+            </a:r>
+            <a:r>
+              <a:rPr lang="en-US" sz="1800" dirty="0">
+                <a:gradFill>
+                  <a:gsLst>
+                    <a:gs pos="0">
+                      <a:srgbClr val="000000"/>
+                    </a:gs>
+                    <a:gs pos="86000">
+                      <a:srgbClr val="000000"/>
+                    </a:gs>
+                  </a:gsLst>
+                  <a:lin ang="5400000" scaled="0"/>
+                </a:gradFill>
+                <a:latin typeface="Segoe UI"/>
+              </a:rPr>
+              <a:t>Provide the source database type from the supported systems.</a:t>
+            </a:r>
+          </a:p>
+          <a:p>
+            <a:pPr marL="746125" lvl="3" indent="-309563" defTabSz="1243380">
+              <a:spcBef>
+                <a:spcPts val="816"/>
+              </a:spcBef>
+              <a:defRPr/>
+            </a:pPr>
+            <a:r>
+              <a:rPr lang="en-US" sz="1800" b="1" dirty="0">
+                <a:gradFill>
+                  <a:gsLst>
+                    <a:gs pos="0">
+                      <a:srgbClr val="000000"/>
+                    </a:gs>
+                    <a:gs pos="86000">
+                      <a:srgbClr val="000000"/>
+                    </a:gs>
+                  </a:gsLst>
+                  <a:lin ang="5400000" scaled="0"/>
+                </a:gradFill>
+                <a:latin typeface="Segoe UI"/>
+              </a:rPr>
+              <a:t>Name/</a:t>
+            </a:r>
+            <a:r>
+              <a:rPr lang="en-US" sz="1800" b="1" dirty="0" err="1">
+                <a:gradFill>
+                  <a:gsLst>
+                    <a:gs pos="0">
+                      <a:srgbClr val="000000"/>
+                    </a:gs>
+                    <a:gs pos="86000">
+                      <a:srgbClr val="000000"/>
+                    </a:gs>
+                  </a:gsLst>
+                  <a:lin ang="5400000" scaled="0"/>
+                </a:gradFill>
+                <a:latin typeface="Segoe UI"/>
+              </a:rPr>
+              <a:t>ip</a:t>
+            </a:r>
+            <a:r>
+              <a:rPr lang="en-US" sz="1800" b="1" dirty="0">
+                <a:gradFill>
+                  <a:gsLst>
+                    <a:gs pos="0">
+                      <a:srgbClr val="000000"/>
+                    </a:gs>
+                    <a:gs pos="86000">
+                      <a:srgbClr val="000000"/>
+                    </a:gs>
+                  </a:gsLst>
+                  <a:lin ang="5400000" scaled="0"/>
+                </a:gradFill>
+                <a:latin typeface="Segoe UI"/>
+              </a:rPr>
+              <a:t> of the Server: </a:t>
+            </a:r>
+            <a:r>
+              <a:rPr lang="en-US" sz="1800" dirty="0">
+                <a:gradFill>
+                  <a:gsLst>
+                    <a:gs pos="0">
+                      <a:srgbClr val="000000"/>
+                    </a:gs>
+                    <a:gs pos="86000">
+                      <a:srgbClr val="000000"/>
+                    </a:gs>
+                  </a:gsLst>
+                  <a:lin ang="5400000" scaled="0"/>
+                </a:gradFill>
+                <a:latin typeface="Segoe UI"/>
+              </a:rPr>
+              <a:t>Source Database server to connect</a:t>
+            </a:r>
+          </a:p>
+          <a:p>
+            <a:pPr marL="746125" lvl="3" indent="-309563" defTabSz="1243380">
+              <a:spcBef>
+                <a:spcPts val="816"/>
+              </a:spcBef>
+              <a:defRPr/>
+            </a:pPr>
+            <a:r>
               <a:rPr kumimoji="0" lang="en-US" sz="1800" b="1" i="0" u="none" strike="noStrike" kern="1200" cap="none" spc="0" normalizeH="0" baseline="0" noProof="0" dirty="0">
                 <a:ln>
                   <a:noFill/>
@@ -33060,36 +32621,6 @@
           </a:p>
         </p:txBody>
       </p:sp>
-      <p:pic>
-        <p:nvPicPr>
-          <p:cNvPr id="3" name="Picture 2">
-            <a:extLst>
-              <a:ext uri="{FF2B5EF4-FFF2-40B4-BE49-F238E27FC236}">
-                <a16:creationId xmlns:a16="http://schemas.microsoft.com/office/drawing/2014/main" id="{56E4A79F-CF76-46EF-AD38-91CE15AB9F87}"/>
-              </a:ext>
-            </a:extLst>
-          </p:cNvPr>
-          <p:cNvPicPr>
-            <a:picLocks noChangeAspect="1"/>
-          </p:cNvPicPr>
-          <p:nvPr/>
-        </p:nvPicPr>
-        <p:blipFill>
-          <a:blip r:embed="rId3"/>
-          <a:stretch>
-            <a:fillRect/>
-          </a:stretch>
-        </p:blipFill>
-        <p:spPr>
-          <a:xfrm>
-            <a:off x="2366606" y="5338795"/>
-            <a:ext cx="8963091" cy="1328747"/>
-          </a:xfrm>
-          <a:prstGeom prst="rect">
-            <a:avLst/>
-          </a:prstGeom>
-        </p:spPr>
-      </p:pic>
       <p:sp>
         <p:nvSpPr>
           <p:cNvPr id="4" name="TextBox 3">
@@ -33104,8 +32635,8 @@
         </p:nvSpPr>
         <p:spPr>
           <a:xfrm>
-            <a:off x="1781291" y="4613763"/>
-            <a:ext cx="3608118" cy="657488"/>
+            <a:off x="1625957" y="4578157"/>
+            <a:ext cx="3747715" cy="845873"/>
           </a:xfrm>
           <a:prstGeom prst="rect">
             <a:avLst/>
@@ -33141,7 +32672,7 @@
                   <a:srgbClr val="292929"/>
                 </a:solidFill>
               </a:rPr>
-              <a:t>CSV File Name: SQLScriptstoRun.csv</a:t>
+              <a:t>CSV File Name: Scripts/&lt;source&gt;/SQLScriptstoRun.csv</a:t>
             </a:r>
           </a:p>
           <a:p>
@@ -33164,7 +32695,7 @@
                 </a:solidFill>
                 <a:latin typeface="Segoe UI"/>
               </a:rPr>
-              <a:t>AssessmentDriverFile.json</a:t>
+              <a:t>AssessmentConfigFile.json</a:t>
             </a:r>
             <a:endParaRPr lang="en-US" sz="1224" b="1" kern="0" dirty="0">
               <a:solidFill>
@@ -33266,13 +32797,13 @@
               <a:defRPr/>
             </a:pPr>
             <a:r>
-              <a:rPr lang="en-US" sz="1224" kern="0">
+              <a:rPr lang="en-US" sz="1224" kern="0" dirty="0">
                 <a:solidFill>
                   <a:srgbClr val="292929"/>
                 </a:solidFill>
                 <a:latin typeface="Segoe UI"/>
               </a:rPr>
-              <a:t>Output.csv</a:t>
+              <a:t>CSV files</a:t>
             </a:r>
           </a:p>
         </p:txBody>
@@ -33292,7 +32823,7 @@
           <p:nvPr/>
         </p:nvPicPr>
         <p:blipFill>
-          <a:blip r:embed="rId4"/>
+          <a:blip r:embed="rId3"/>
           <a:stretch>
             <a:fillRect/>
           </a:stretch>
@@ -33322,7 +32853,7 @@
           <p:nvPr/>
         </p:nvPicPr>
         <p:blipFill>
-          <a:blip r:embed="rId5">
+          <a:blip r:embed="rId4">
             <a:extLst>
               <a:ext uri="{28A0092B-C50C-407E-A947-70E740481C1C}">
                 <a14:useLocalDpi xmlns:a14="http://schemas.microsoft.com/office/drawing/2010/main" val="0"/>
@@ -33510,130 +33041,6 @@
           </a:p>
         </p:txBody>
       </p:sp>
-      <p:pic>
-        <p:nvPicPr>
-          <p:cNvPr id="14" name="Picture 13" descr="A close up of a logo&#10;&#10;Description automatically generated">
-            <a:extLst>
-              <a:ext uri="{FF2B5EF4-FFF2-40B4-BE49-F238E27FC236}">
-                <a16:creationId xmlns:a16="http://schemas.microsoft.com/office/drawing/2014/main" id="{28854FCB-8104-4A31-A7CC-3AB3E5DD6929}"/>
-              </a:ext>
-            </a:extLst>
-          </p:cNvPr>
-          <p:cNvPicPr>
-            <a:picLocks noChangeAspect="1"/>
-          </p:cNvPicPr>
-          <p:nvPr/>
-        </p:nvPicPr>
-        <p:blipFill>
-          <a:blip r:embed="rId6"/>
-          <a:stretch>
-            <a:fillRect/>
-          </a:stretch>
-        </p:blipFill>
-        <p:spPr>
-          <a:xfrm>
-            <a:off x="6729244" y="1604270"/>
-            <a:ext cx="778748" cy="778748"/>
-          </a:xfrm>
-          <a:prstGeom prst="rect">
-            <a:avLst/>
-          </a:prstGeom>
-        </p:spPr>
-      </p:pic>
-      <p:sp>
-        <p:nvSpPr>
-          <p:cNvPr id="15" name="TextBox 14">
-            <a:extLst>
-              <a:ext uri="{FF2B5EF4-FFF2-40B4-BE49-F238E27FC236}">
-                <a16:creationId xmlns:a16="http://schemas.microsoft.com/office/drawing/2014/main" id="{D621A854-C6EC-4F92-8460-EC501163DDD2}"/>
-              </a:ext>
-            </a:extLst>
-          </p:cNvPr>
-          <p:cNvSpPr txBox="1"/>
-          <p:nvPr/>
-        </p:nvSpPr>
-        <p:spPr>
-          <a:xfrm>
-            <a:off x="4865590" y="1768072"/>
-            <a:ext cx="2002844" cy="627864"/>
-          </a:xfrm>
-          <a:prstGeom prst="rect">
-            <a:avLst/>
-          </a:prstGeom>
-          <a:noFill/>
-        </p:spPr>
-        <p:txBody>
-          <a:bodyPr wrap="square" lIns="182880" tIns="146304" rIns="182880" bIns="146304" rtlCol="0">
-            <a:spAutoFit/>
-          </a:bodyPr>
-          <a:lstStyle/>
-          <a:p>
-            <a:pPr>
-              <a:lnSpc>
-                <a:spcPct val="90000"/>
-              </a:lnSpc>
-              <a:spcAft>
-                <a:spcPts val="600"/>
-              </a:spcAft>
-            </a:pPr>
-            <a:r>
-              <a:rPr lang="en-US" sz="2400" b="1" dirty="0">
-                <a:solidFill>
-                  <a:srgbClr val="FFC000"/>
-                </a:solidFill>
-              </a:rPr>
-              <a:t>TERADATA</a:t>
-            </a:r>
-          </a:p>
-        </p:txBody>
-      </p:sp>
-      <p:sp>
-        <p:nvSpPr>
-          <p:cNvPr id="16" name="TextBox 15">
-            <a:extLst>
-              <a:ext uri="{FF2B5EF4-FFF2-40B4-BE49-F238E27FC236}">
-                <a16:creationId xmlns:a16="http://schemas.microsoft.com/office/drawing/2014/main" id="{6EE73864-88C6-467D-B345-38FF4F756C4C}"/>
-              </a:ext>
-            </a:extLst>
-          </p:cNvPr>
-          <p:cNvSpPr txBox="1"/>
-          <p:nvPr/>
-        </p:nvSpPr>
-        <p:spPr>
-          <a:xfrm>
-            <a:off x="5216815" y="1233801"/>
-            <a:ext cx="2002844" cy="627864"/>
-          </a:xfrm>
-          <a:prstGeom prst="rect">
-            <a:avLst/>
-          </a:prstGeom>
-          <a:noFill/>
-        </p:spPr>
-        <p:txBody>
-          <a:bodyPr wrap="square" lIns="182880" tIns="146304" rIns="182880" bIns="146304" rtlCol="0">
-            <a:spAutoFit/>
-          </a:bodyPr>
-          <a:lstStyle/>
-          <a:p>
-            <a:pPr>
-              <a:lnSpc>
-                <a:spcPct val="90000"/>
-              </a:lnSpc>
-              <a:spcAft>
-                <a:spcPts val="600"/>
-              </a:spcAft>
-            </a:pPr>
-            <a:r>
-              <a:rPr lang="en-US" sz="2400" b="1" dirty="0">
-                <a:solidFill>
-                  <a:srgbClr val="00B050"/>
-                </a:solidFill>
-              </a:rPr>
-              <a:t>Netezza</a:t>
-            </a:r>
-          </a:p>
-        </p:txBody>
-      </p:sp>
       <p:grpSp>
         <p:nvGrpSpPr>
           <p:cNvPr id="17" name="Group 16">
@@ -33669,7 +33076,7 @@
             <p:nvPr/>
           </p:nvPicPr>
           <p:blipFill>
-            <a:blip r:embed="rId7">
+            <a:blip r:embed="rId5">
               <a:extLst>
                 <a:ext uri="{28A0092B-C50C-407E-A947-70E740481C1C}">
                   <a14:useLocalDpi xmlns:a14="http://schemas.microsoft.com/office/drawing/2010/main" val="0"/>
@@ -33705,7 +33112,7 @@
             <p:nvPr/>
           </p:nvPicPr>
           <p:blipFill>
-            <a:blip r:embed="rId7">
+            <a:blip r:embed="rId5">
               <a:extLst>
                 <a:ext uri="{28A0092B-C50C-407E-A947-70E740481C1C}">
                   <a14:useLocalDpi xmlns:a14="http://schemas.microsoft.com/office/drawing/2010/main" val="0"/>
@@ -33741,7 +33148,7 @@
             <p:nvPr/>
           </p:nvPicPr>
           <p:blipFill>
-            <a:blip r:embed="rId7">
+            <a:blip r:embed="rId5">
               <a:extLst>
                 <a:ext uri="{28A0092B-C50C-407E-A947-70E740481C1C}">
                   <a14:useLocalDpi xmlns:a14="http://schemas.microsoft.com/office/drawing/2010/main" val="0"/>
@@ -33778,7 +33185,7 @@
           <p:nvPr/>
         </p:nvPicPr>
         <p:blipFill>
-          <a:blip r:embed="rId8">
+          <a:blip r:embed="rId6">
             <a:extLst>
               <a:ext uri="{28A0092B-C50C-407E-A947-70E740481C1C}">
                 <a14:useLocalDpi xmlns:a14="http://schemas.microsoft.com/office/drawing/2010/main" val="0"/>
@@ -33848,6 +33255,321 @@
           </a:p>
         </p:txBody>
       </p:sp>
+      <p:sp>
+        <p:nvSpPr>
+          <p:cNvPr id="5" name="TextBox 4">
+            <a:extLst>
+              <a:ext uri="{FF2B5EF4-FFF2-40B4-BE49-F238E27FC236}">
+                <a16:creationId xmlns:a16="http://schemas.microsoft.com/office/drawing/2014/main" id="{118CB0B1-64D3-4E9C-B778-F77C5E372A93}"/>
+              </a:ext>
+            </a:extLst>
+          </p:cNvPr>
+          <p:cNvSpPr txBox="1"/>
+          <p:nvPr/>
+        </p:nvSpPr>
+        <p:spPr>
+          <a:xfrm>
+            <a:off x="5392158" y="1353861"/>
+            <a:ext cx="2002844" cy="489365"/>
+          </a:xfrm>
+          <a:prstGeom prst="rect">
+            <a:avLst/>
+          </a:prstGeom>
+          <a:noFill/>
+        </p:spPr>
+        <p:txBody>
+          <a:bodyPr wrap="square" lIns="182880" tIns="146304" rIns="182880" bIns="146304" rtlCol="0">
+            <a:spAutoFit/>
+          </a:bodyPr>
+          <a:lstStyle/>
+          <a:p>
+            <a:pPr>
+              <a:lnSpc>
+                <a:spcPct val="90000"/>
+              </a:lnSpc>
+              <a:spcAft>
+                <a:spcPts val="600"/>
+              </a:spcAft>
+            </a:pPr>
+            <a:r>
+              <a:rPr lang="en-US" sz="1400" b="1" dirty="0">
+                <a:solidFill>
+                  <a:srgbClr val="FFC000"/>
+                </a:solidFill>
+              </a:rPr>
+              <a:t>TERADATA</a:t>
+            </a:r>
+          </a:p>
+        </p:txBody>
+      </p:sp>
+      <p:sp>
+        <p:nvSpPr>
+          <p:cNvPr id="24" name="TextBox 23">
+            <a:extLst>
+              <a:ext uri="{FF2B5EF4-FFF2-40B4-BE49-F238E27FC236}">
+                <a16:creationId xmlns:a16="http://schemas.microsoft.com/office/drawing/2014/main" id="{4129F9AF-24E8-43D1-973D-B8B0F2782B18}"/>
+              </a:ext>
+            </a:extLst>
+          </p:cNvPr>
+          <p:cNvSpPr txBox="1"/>
+          <p:nvPr/>
+        </p:nvSpPr>
+        <p:spPr>
+          <a:xfrm>
+            <a:off x="5413776" y="1129249"/>
+            <a:ext cx="2002844" cy="489365"/>
+          </a:xfrm>
+          <a:prstGeom prst="rect">
+            <a:avLst/>
+          </a:prstGeom>
+          <a:noFill/>
+        </p:spPr>
+        <p:txBody>
+          <a:bodyPr wrap="square" lIns="182880" tIns="146304" rIns="182880" bIns="146304" rtlCol="0">
+            <a:spAutoFit/>
+          </a:bodyPr>
+          <a:lstStyle/>
+          <a:p>
+            <a:pPr>
+              <a:lnSpc>
+                <a:spcPct val="90000"/>
+              </a:lnSpc>
+              <a:spcAft>
+                <a:spcPts val="600"/>
+              </a:spcAft>
+            </a:pPr>
+            <a:r>
+              <a:rPr lang="en-US" sz="1400" b="1" dirty="0">
+                <a:solidFill>
+                  <a:srgbClr val="00B050"/>
+                </a:solidFill>
+              </a:rPr>
+              <a:t>Netezza</a:t>
+            </a:r>
+          </a:p>
+        </p:txBody>
+      </p:sp>
+      <p:sp>
+        <p:nvSpPr>
+          <p:cNvPr id="26" name="TextBox 25">
+            <a:extLst>
+              <a:ext uri="{FF2B5EF4-FFF2-40B4-BE49-F238E27FC236}">
+                <a16:creationId xmlns:a16="http://schemas.microsoft.com/office/drawing/2014/main" id="{9D0A0DF2-3963-4547-BE6B-3DF0B9FECC4A}"/>
+              </a:ext>
+            </a:extLst>
+          </p:cNvPr>
+          <p:cNvSpPr txBox="1"/>
+          <p:nvPr/>
+        </p:nvSpPr>
+        <p:spPr>
+          <a:xfrm>
+            <a:off x="5413776" y="1549917"/>
+            <a:ext cx="2002844" cy="489365"/>
+          </a:xfrm>
+          <a:prstGeom prst="rect">
+            <a:avLst/>
+          </a:prstGeom>
+          <a:noFill/>
+        </p:spPr>
+        <p:txBody>
+          <a:bodyPr wrap="square" lIns="182880" tIns="146304" rIns="182880" bIns="146304" rtlCol="0">
+            <a:spAutoFit/>
+          </a:bodyPr>
+          <a:lstStyle/>
+          <a:p>
+            <a:pPr>
+              <a:lnSpc>
+                <a:spcPct val="90000"/>
+              </a:lnSpc>
+              <a:spcAft>
+                <a:spcPts val="600"/>
+              </a:spcAft>
+            </a:pPr>
+            <a:r>
+              <a:rPr lang="en-US" sz="1400" b="1" dirty="0">
+                <a:solidFill>
+                  <a:srgbClr val="FF0000"/>
+                </a:solidFill>
+              </a:rPr>
+              <a:t>APS\PDW</a:t>
+            </a:r>
+          </a:p>
+        </p:txBody>
+      </p:sp>
+      <p:sp>
+        <p:nvSpPr>
+          <p:cNvPr id="28" name="TextBox 27">
+            <a:extLst>
+              <a:ext uri="{FF2B5EF4-FFF2-40B4-BE49-F238E27FC236}">
+                <a16:creationId xmlns:a16="http://schemas.microsoft.com/office/drawing/2014/main" id="{1B4CEB28-41F8-44AD-AA5D-2CFB71E84D73}"/>
+              </a:ext>
+            </a:extLst>
+          </p:cNvPr>
+          <p:cNvSpPr txBox="1"/>
+          <p:nvPr/>
+        </p:nvSpPr>
+        <p:spPr>
+          <a:xfrm>
+            <a:off x="5435711" y="1790172"/>
+            <a:ext cx="2002844" cy="489365"/>
+          </a:xfrm>
+          <a:prstGeom prst="rect">
+            <a:avLst/>
+          </a:prstGeom>
+          <a:noFill/>
+        </p:spPr>
+        <p:txBody>
+          <a:bodyPr wrap="square" lIns="182880" tIns="146304" rIns="182880" bIns="146304" rtlCol="0">
+            <a:spAutoFit/>
+          </a:bodyPr>
+          <a:lstStyle/>
+          <a:p>
+            <a:pPr>
+              <a:lnSpc>
+                <a:spcPct val="90000"/>
+              </a:lnSpc>
+              <a:spcAft>
+                <a:spcPts val="600"/>
+              </a:spcAft>
+            </a:pPr>
+            <a:r>
+              <a:rPr lang="en-US" sz="1400" b="1" dirty="0">
+                <a:solidFill>
+                  <a:srgbClr val="002060"/>
+                </a:solidFill>
+              </a:rPr>
+              <a:t>Synapse</a:t>
+            </a:r>
+          </a:p>
+        </p:txBody>
+      </p:sp>
+      <p:sp>
+        <p:nvSpPr>
+          <p:cNvPr id="30" name="TextBox 29">
+            <a:extLst>
+              <a:ext uri="{FF2B5EF4-FFF2-40B4-BE49-F238E27FC236}">
+                <a16:creationId xmlns:a16="http://schemas.microsoft.com/office/drawing/2014/main" id="{467F7354-45E7-4E19-960F-F2CFBED632E6}"/>
+              </a:ext>
+            </a:extLst>
+          </p:cNvPr>
+          <p:cNvSpPr txBox="1"/>
+          <p:nvPr/>
+        </p:nvSpPr>
+        <p:spPr>
+          <a:xfrm>
+            <a:off x="5435711" y="2220426"/>
+            <a:ext cx="2002844" cy="489365"/>
+          </a:xfrm>
+          <a:prstGeom prst="rect">
+            <a:avLst/>
+          </a:prstGeom>
+          <a:noFill/>
+        </p:spPr>
+        <p:txBody>
+          <a:bodyPr wrap="square" lIns="182880" tIns="146304" rIns="182880" bIns="146304" rtlCol="0">
+            <a:spAutoFit/>
+          </a:bodyPr>
+          <a:lstStyle/>
+          <a:p>
+            <a:pPr>
+              <a:lnSpc>
+                <a:spcPct val="90000"/>
+              </a:lnSpc>
+              <a:spcAft>
+                <a:spcPts val="600"/>
+              </a:spcAft>
+            </a:pPr>
+            <a:r>
+              <a:rPr lang="en-US" sz="1400" b="1" dirty="0">
+                <a:solidFill>
+                  <a:srgbClr val="00B0F0"/>
+                </a:solidFill>
+              </a:rPr>
+              <a:t>Snowflake</a:t>
+            </a:r>
+          </a:p>
+        </p:txBody>
+      </p:sp>
+      <p:sp>
+        <p:nvSpPr>
+          <p:cNvPr id="32" name="TextBox 31">
+            <a:extLst>
+              <a:ext uri="{FF2B5EF4-FFF2-40B4-BE49-F238E27FC236}">
+                <a16:creationId xmlns:a16="http://schemas.microsoft.com/office/drawing/2014/main" id="{BF4013EB-2F60-428F-B3F0-9484AC4C00E9}"/>
+              </a:ext>
+            </a:extLst>
+          </p:cNvPr>
+          <p:cNvSpPr txBox="1"/>
+          <p:nvPr/>
+        </p:nvSpPr>
+        <p:spPr>
+          <a:xfrm>
+            <a:off x="5435711" y="2063046"/>
+            <a:ext cx="2002844" cy="489365"/>
+          </a:xfrm>
+          <a:prstGeom prst="rect">
+            <a:avLst/>
+          </a:prstGeom>
+          <a:noFill/>
+        </p:spPr>
+        <p:txBody>
+          <a:bodyPr wrap="square" lIns="182880" tIns="146304" rIns="182880" bIns="146304" rtlCol="0">
+            <a:spAutoFit/>
+          </a:bodyPr>
+          <a:lstStyle/>
+          <a:p>
+            <a:pPr>
+              <a:lnSpc>
+                <a:spcPct val="90000"/>
+              </a:lnSpc>
+              <a:spcAft>
+                <a:spcPts val="600"/>
+              </a:spcAft>
+            </a:pPr>
+            <a:r>
+              <a:rPr lang="en-US" sz="1400" b="1" dirty="0">
+                <a:solidFill>
+                  <a:schemeClr val="accent3">
+                    <a:lumMod val="60000"/>
+                    <a:lumOff val="40000"/>
+                  </a:schemeClr>
+                </a:solidFill>
+              </a:rPr>
+              <a:t>SQLServer</a:t>
+            </a:r>
+          </a:p>
+        </p:txBody>
+      </p:sp>
+      <p:pic>
+        <p:nvPicPr>
+          <p:cNvPr id="15" name="Picture 14" descr="Table&#10;&#10;Description automatically generated">
+            <a:extLst>
+              <a:ext uri="{FF2B5EF4-FFF2-40B4-BE49-F238E27FC236}">
+                <a16:creationId xmlns:a16="http://schemas.microsoft.com/office/drawing/2014/main" id="{5A8C1EB4-C9A7-4228-9C4C-0CBBB5191E64}"/>
+              </a:ext>
+            </a:extLst>
+          </p:cNvPr>
+          <p:cNvPicPr>
+            <a:picLocks noChangeAspect="1"/>
+          </p:cNvPicPr>
+          <p:nvPr/>
+        </p:nvPicPr>
+        <p:blipFill>
+          <a:blip r:embed="rId7"/>
+          <a:stretch>
+            <a:fillRect/>
+          </a:stretch>
+        </p:blipFill>
+        <p:spPr>
+          <a:xfrm>
+            <a:off x="2694982" y="5426844"/>
+            <a:ext cx="8735644" cy="1333686"/>
+          </a:xfrm>
+          <a:prstGeom prst="rect">
+            <a:avLst/>
+          </a:prstGeom>
+        </p:spPr>
+      </p:pic>
     </p:spTree>
     <p:extLst>
       <p:ext uri="{BB962C8B-B14F-4D97-AF65-F5344CB8AC3E}">
@@ -34410,137 +34132,6 @@
       </p:sp>
       <p:sp>
         <p:nvSpPr>
-          <p:cNvPr id="4" name="Rectangle 3">
-            <a:extLst>
-              <a:ext uri="{FF2B5EF4-FFF2-40B4-BE49-F238E27FC236}">
-                <a16:creationId xmlns:a16="http://schemas.microsoft.com/office/drawing/2014/main" id="{32F62CCD-C4C5-48E1-B39F-12D24D71985C}"/>
-              </a:ext>
-            </a:extLst>
-          </p:cNvPr>
-          <p:cNvSpPr/>
-          <p:nvPr/>
-        </p:nvSpPr>
-        <p:spPr>
-          <a:xfrm>
-            <a:off x="2439768" y="4784784"/>
-            <a:ext cx="7556938" cy="2123658"/>
-          </a:xfrm>
-          <a:prstGeom prst="rect">
-            <a:avLst/>
-          </a:prstGeom>
-          <a:ln>
-            <a:solidFill>
-              <a:srgbClr val="008272"/>
-            </a:solidFill>
-          </a:ln>
-        </p:spPr>
-        <p:txBody>
-          <a:bodyPr wrap="square">
-            <a:spAutoFit/>
-          </a:bodyPr>
-          <a:lstStyle/>
-          <a:p>
-            <a:r>
-              <a:rPr lang="en-US" sz="1200" dirty="0"/>
-              <a:t>"</a:t>
-            </a:r>
-            <a:r>
-              <a:rPr lang="en-US" sz="1200" dirty="0" err="1"/>
-              <a:t>General_Config</a:t>
-            </a:r>
-            <a:r>
-              <a:rPr lang="en-US" sz="1200" dirty="0"/>
-              <a:t>":</a:t>
-            </a:r>
-          </a:p>
-          <a:p>
-            <a:r>
-              <a:rPr lang="en-US" sz="1200" dirty="0"/>
-              <a:t>[</a:t>
-            </a:r>
-          </a:p>
-          <a:p>
-            <a:r>
-              <a:rPr lang="en-US" sz="1200" dirty="0"/>
-              <a:t>       {</a:t>
-            </a:r>
-          </a:p>
-          <a:p>
-            <a:r>
-              <a:rPr lang="en-US" sz="1200" dirty="0"/>
-              <a:t>	"</a:t>
-            </a:r>
-            <a:r>
-              <a:rPr lang="en-US" sz="1200" dirty="0" err="1"/>
-              <a:t>PreAssessmentDriverFile</a:t>
-            </a:r>
-            <a:r>
-              <a:rPr lang="en-US" sz="1200" dirty="0"/>
-              <a:t>":"C:\\0-PreAssessment\\SQLScriptstoRun.csv",</a:t>
-            </a:r>
-          </a:p>
-          <a:p>
-            <a:r>
-              <a:rPr lang="en-US" sz="1200" dirty="0"/>
-              <a:t>	"</a:t>
-            </a:r>
-            <a:r>
-              <a:rPr lang="en-US" sz="1200" dirty="0" err="1"/>
-              <a:t>PreAssessmentOutputPath</a:t>
-            </a:r>
-            <a:r>
-              <a:rPr lang="en-US" sz="1200" dirty="0"/>
-              <a:t>":"C:\\Temp\\Netezza\\Pre-Assessment",</a:t>
-            </a:r>
-          </a:p>
-          <a:p>
-            <a:r>
-              <a:rPr lang="en-US" sz="1200" dirty="0"/>
-              <a:t>	“ServerName":"192.xxx.xxx.xxx",</a:t>
-            </a:r>
-          </a:p>
-          <a:p>
-            <a:r>
-              <a:rPr lang="en-US" sz="1200" dirty="0"/>
-              <a:t>	"</a:t>
-            </a:r>
-            <a:r>
-              <a:rPr lang="en-US" sz="1200" dirty="0" err="1"/>
-              <a:t>SourceSystem</a:t>
-            </a:r>
-            <a:r>
-              <a:rPr lang="en-US" sz="1200" dirty="0"/>
-              <a:t>":"NETEZZA",</a:t>
-            </a:r>
-          </a:p>
-          <a:p>
-            <a:r>
-              <a:rPr lang="en-US" sz="1200" dirty="0"/>
-              <a:t>	"QueryTimeout":"600",</a:t>
-            </a:r>
-          </a:p>
-          <a:p>
-            <a:r>
-              <a:rPr lang="en-US" sz="1200" dirty="0"/>
-              <a:t>	"ConnectionTimeout":"300“</a:t>
-            </a:r>
-          </a:p>
-          <a:p>
-            <a:r>
-              <a:rPr lang="en-US" sz="1200" dirty="0"/>
-              <a:t>       }</a:t>
-            </a:r>
-          </a:p>
-          <a:p>
-            <a:r>
-              <a:rPr lang="en-US" sz="1200" dirty="0"/>
-              <a:t>]</a:t>
-            </a:r>
-          </a:p>
-        </p:txBody>
-      </p:sp>
-      <p:sp>
-        <p:nvSpPr>
           <p:cNvPr id="5" name="TextBox 4">
             <a:extLst>
               <a:ext uri="{FF2B5EF4-FFF2-40B4-BE49-F238E27FC236}">
@@ -34554,7 +34145,7 @@
         <p:spPr>
           <a:xfrm>
             <a:off x="157655" y="1147912"/>
-            <a:ext cx="11896340" cy="4007251"/>
+            <a:ext cx="11896340" cy="3819507"/>
           </a:xfrm>
           <a:prstGeom prst="rect">
             <a:avLst/>
@@ -34651,30 +34242,7 @@
             </a:r>
           </a:p>
           <a:p>
-            <a:pPr>
-              <a:lnSpc>
-                <a:spcPct val="90000"/>
-              </a:lnSpc>
-              <a:spcAft>
-                <a:spcPts val="600"/>
-              </a:spcAft>
-            </a:pPr>
-            <a:endParaRPr lang="en-US" sz="2000" dirty="0">
-              <a:gradFill>
-                <a:gsLst>
-                  <a:gs pos="2917">
-                    <a:schemeClr val="tx1"/>
-                  </a:gs>
-                  <a:gs pos="30000">
-                    <a:schemeClr val="tx1"/>
-                  </a:gs>
-                </a:gsLst>
-                <a:lin ang="5400000" scaled="0"/>
-              </a:gradFill>
-            </a:endParaRPr>
-          </a:p>
-          <a:p>
-            <a:pPr marL="342900" indent="-342900">
+            <a:pPr marL="285750" indent="-285750">
               <a:lnSpc>
                 <a:spcPct val="90000"/>
               </a:lnSpc>
@@ -34685,7 +34253,7 @@
               <a:buChar char="•"/>
             </a:pPr>
             <a:r>
-              <a:rPr lang="en-US" sz="1600" dirty="0" err="1">
+              <a:rPr lang="en-US" dirty="0" err="1">
                 <a:gradFill>
                   <a:gsLst>
                     <a:gs pos="2917">
@@ -34701,7 +34269,7 @@
               <a:t>PreAssessmentDriverFile</a:t>
             </a:r>
             <a:r>
-              <a:rPr lang="en-US" sz="1600" dirty="0">
+              <a:rPr lang="en-US" dirty="0">
                 <a:gradFill>
                   <a:gsLst>
                     <a:gs pos="2917">
@@ -34714,11 +34282,11 @@
                   <a:lin ang="5400000" scaled="0"/>
                 </a:gradFill>
               </a:rPr>
-              <a:t> – Location and filename of the csv config file.</a:t>
-            </a:r>
-          </a:p>
-          <a:p>
-            <a:pPr marL="342900" indent="-342900">
+              <a:t> : Filename of the SQL csv config file.</a:t>
+            </a:r>
+          </a:p>
+          <a:p>
+            <a:pPr marL="285750" indent="-285750">
               <a:lnSpc>
                 <a:spcPct val="90000"/>
               </a:lnSpc>
@@ -34729,7 +34297,7 @@
               <a:buChar char="•"/>
             </a:pPr>
             <a:r>
-              <a:rPr lang="en-US" sz="1600" dirty="0" err="1">
+              <a:rPr lang="en-US" dirty="0" err="1">
                 <a:gradFill>
                   <a:gsLst>
                     <a:gs pos="2917">
@@ -34742,10 +34310,10 @@
                   <a:lin ang="5400000" scaled="0"/>
                 </a:gradFill>
               </a:rPr>
-              <a:t>PreAssessmentOutputPath</a:t>
-            </a:r>
-            <a:r>
-              <a:rPr lang="en-US" sz="1600" dirty="0">
+              <a:t>PreAssessmentScriptPath</a:t>
+            </a:r>
+            <a:r>
+              <a:rPr lang="en-US" dirty="0">
                 <a:gradFill>
                   <a:gsLst>
                     <a:gs pos="2917">
@@ -34758,11 +34326,11 @@
                   <a:lin ang="5400000" scaled="0"/>
                 </a:gradFill>
               </a:rPr>
-              <a:t> – Location to store the output of the Assessment Tool.</a:t>
-            </a:r>
-          </a:p>
-          <a:p>
-            <a:pPr marL="342900" indent="-342900">
+              <a:t> : Location of the SQL CSV config file.</a:t>
+            </a:r>
+          </a:p>
+          <a:p>
+            <a:pPr marL="285750" indent="-285750">
               <a:lnSpc>
                 <a:spcPct val="90000"/>
               </a:lnSpc>
@@ -34773,7 +34341,7 @@
               <a:buChar char="•"/>
             </a:pPr>
             <a:r>
-              <a:rPr lang="en-US" sz="1600" dirty="0" err="1">
+              <a:rPr lang="en-US" dirty="0" err="1">
                 <a:gradFill>
                   <a:gsLst>
                     <a:gs pos="2917">
@@ -34786,10 +34354,10 @@
                   <a:lin ang="5400000" scaled="0"/>
                 </a:gradFill>
               </a:rPr>
-              <a:t>ServerName</a:t>
-            </a:r>
-            <a:r>
-              <a:rPr lang="en-US" sz="1600" dirty="0">
+              <a:t>QueryTimeout</a:t>
+            </a:r>
+            <a:r>
+              <a:rPr lang="en-US" dirty="0">
                 <a:gradFill>
                   <a:gsLst>
                     <a:gs pos="2917">
@@ -34802,11 +34370,11 @@
                   <a:lin ang="5400000" scaled="0"/>
                 </a:gradFill>
               </a:rPr>
-              <a:t> – Name or IP of the source system to assess.</a:t>
-            </a:r>
-          </a:p>
-          <a:p>
-            <a:pPr marL="342900" indent="-342900">
+              <a:t> : Length of time before the query should timeout if results have not been returned.</a:t>
+            </a:r>
+          </a:p>
+          <a:p>
+            <a:pPr marL="285750" indent="-285750">
               <a:lnSpc>
                 <a:spcPct val="90000"/>
               </a:lnSpc>
@@ -34817,7 +34385,7 @@
               <a:buChar char="•"/>
             </a:pPr>
             <a:r>
-              <a:rPr lang="en-US" sz="1600" dirty="0" err="1">
+              <a:rPr lang="en-US" dirty="0" err="1">
                 <a:gradFill>
                   <a:gsLst>
                     <a:gs pos="2917">
@@ -34830,10 +34398,10 @@
                   <a:lin ang="5400000" scaled="0"/>
                 </a:gradFill>
               </a:rPr>
-              <a:t>SourceSystem</a:t>
-            </a:r>
-            <a:r>
-              <a:rPr lang="en-US" sz="1600" dirty="0">
+              <a:t>ConnectionTimeout</a:t>
+            </a:r>
+            <a:r>
+              <a:rPr lang="en-US" dirty="0">
                 <a:gradFill>
                   <a:gsLst>
                     <a:gs pos="2917">
@@ -34846,11 +34414,11 @@
                   <a:lin ang="5400000" scaled="0"/>
                 </a:gradFill>
               </a:rPr>
-              <a:t> – NETEZZA, APS, TERADATA, AZUREDW</a:t>
-            </a:r>
-          </a:p>
-          <a:p>
-            <a:pPr marL="342900" indent="-342900">
+              <a:t> : Length of time to wait on a connection to the source system to be made before timing out</a:t>
+            </a:r>
+          </a:p>
+          <a:p>
+            <a:pPr marL="285750" indent="-285750">
               <a:lnSpc>
                 <a:spcPct val="90000"/>
               </a:lnSpc>
@@ -34861,7 +34429,7 @@
               <a:buChar char="•"/>
             </a:pPr>
             <a:r>
-              <a:rPr lang="en-US" sz="1600" dirty="0" err="1">
+              <a:rPr lang="en-US" dirty="0" err="1">
                 <a:gradFill>
                   <a:gsLst>
                     <a:gs pos="2917">
@@ -34874,10 +34442,10 @@
                   <a:lin ang="5400000" scaled="0"/>
                 </a:gradFill>
               </a:rPr>
-              <a:t>QueryTimeout</a:t>
-            </a:r>
-            <a:r>
-              <a:rPr lang="en-US" sz="1600" dirty="0">
+              <a:t>VerboseLogging</a:t>
+            </a:r>
+            <a:r>
+              <a:rPr lang="en-US" dirty="0">
                 <a:gradFill>
                   <a:gsLst>
                     <a:gs pos="2917">
@@ -34890,11 +34458,43 @@
                   <a:lin ang="5400000" scaled="0"/>
                 </a:gradFill>
               </a:rPr>
-              <a:t> – Length of time before the query should timeout if results have not been returned.  </a:t>
-            </a:r>
-          </a:p>
-          <a:p>
-            <a:pPr marL="342900" indent="-342900">
+              <a:t> : To enabled the additional </a:t>
+            </a:r>
+            <a:r>
+              <a:rPr lang="en-US" dirty="0" err="1">
+                <a:gradFill>
+                  <a:gsLst>
+                    <a:gs pos="2917">
+                      <a:schemeClr val="tx1"/>
+                    </a:gs>
+                    <a:gs pos="30000">
+                      <a:schemeClr val="tx1"/>
+                    </a:gs>
+                  </a:gsLst>
+                  <a:lin ang="5400000" scaled="0"/>
+                </a:gradFill>
+              </a:rPr>
+              <a:t>logging.Be</a:t>
+            </a:r>
+            <a:r>
+              <a:rPr lang="en-US" dirty="0">
+                <a:gradFill>
+                  <a:gsLst>
+                    <a:gs pos="2917">
+                      <a:schemeClr val="tx1"/>
+                    </a:gs>
+                    <a:gs pos="30000">
+                      <a:schemeClr val="tx1"/>
+                    </a:gs>
+                  </a:gsLst>
+                  <a:lin ang="5400000" scaled="0"/>
+                </a:gradFill>
+              </a:rPr>
+              <a:t> default is false</a:t>
+            </a:r>
+          </a:p>
+          <a:p>
+            <a:pPr marL="285750" indent="-285750">
               <a:lnSpc>
                 <a:spcPct val="90000"/>
               </a:lnSpc>
@@ -34905,7 +34505,7 @@
               <a:buChar char="•"/>
             </a:pPr>
             <a:r>
-              <a:rPr lang="en-US" sz="1600" dirty="0" err="1">
+              <a:rPr lang="en-US" dirty="0" err="1">
                 <a:gradFill>
                   <a:gsLst>
                     <a:gs pos="2917">
@@ -34918,10 +34518,10 @@
                   <a:lin ang="5400000" scaled="0"/>
                 </a:gradFill>
               </a:rPr>
-              <a:t>ConnectionTimeout</a:t>
-            </a:r>
-            <a:r>
-              <a:rPr lang="en-US" sz="1600" dirty="0">
+              <a:t>ValidSourceSystems</a:t>
+            </a:r>
+            <a:r>
+              <a:rPr lang="en-US" dirty="0">
                 <a:gradFill>
                   <a:gsLst>
                     <a:gs pos="2917">
@@ -34934,7 +34534,39 @@
                   <a:lin ang="5400000" scaled="0"/>
                 </a:gradFill>
               </a:rPr>
-              <a:t> – Length of time to wait on a connection to the source system to be made before timing out.</a:t>
+              <a:t> : </a:t>
+            </a:r>
+            <a:r>
+              <a:rPr lang="en-US" dirty="0" err="1">
+                <a:gradFill>
+                  <a:gsLst>
+                    <a:gs pos="2917">
+                      <a:schemeClr val="tx1"/>
+                    </a:gs>
+                    <a:gs pos="30000">
+                      <a:schemeClr val="tx1"/>
+                    </a:gs>
+                  </a:gsLst>
+                  <a:lin ang="5400000" scaled="0"/>
+                </a:gradFill>
+              </a:rPr>
+              <a:t>SQLServer</a:t>
+            </a:r>
+            <a:r>
+              <a:rPr lang="en-US" dirty="0">
+                <a:gradFill>
+                  <a:gsLst>
+                    <a:gs pos="2917">
+                      <a:schemeClr val="tx1"/>
+                    </a:gs>
+                    <a:gs pos="30000">
+                      <a:schemeClr val="tx1"/>
+                    </a:gs>
+                  </a:gsLst>
+                  <a:lin ang="5400000" scaled="0"/>
+                </a:gradFill>
+              </a:rPr>
+              <a:t>, APS, SYNAPSE, TERADATA, NETEZZA, SNOWFLAKE</a:t>
             </a:r>
           </a:p>
           <a:p>
@@ -34964,6 +34596,36 @@
           </a:p>
         </p:txBody>
       </p:sp>
+      <p:pic>
+        <p:nvPicPr>
+          <p:cNvPr id="6" name="Picture 5" descr="Text, letter&#10;&#10;Description automatically generated">
+            <a:extLst>
+              <a:ext uri="{FF2B5EF4-FFF2-40B4-BE49-F238E27FC236}">
+                <a16:creationId xmlns:a16="http://schemas.microsoft.com/office/drawing/2014/main" id="{5C9B74E8-1B6A-4BBE-9A8E-DCC9586242BA}"/>
+              </a:ext>
+            </a:extLst>
+          </p:cNvPr>
+          <p:cNvPicPr>
+            <a:picLocks noChangeAspect="1"/>
+          </p:cNvPicPr>
+          <p:nvPr/>
+        </p:nvPicPr>
+        <p:blipFill>
+          <a:blip r:embed="rId3"/>
+          <a:stretch>
+            <a:fillRect/>
+          </a:stretch>
+        </p:blipFill>
+        <p:spPr>
+          <a:xfrm>
+            <a:off x="1454343" y="4715212"/>
+            <a:ext cx="6792273" cy="1867161"/>
+          </a:xfrm>
+          <a:prstGeom prst="rect">
+            <a:avLst/>
+          </a:prstGeom>
+        </p:spPr>
+      </p:pic>
     </p:spTree>
     <p:extLst>
       <p:ext uri="{BB962C8B-B14F-4D97-AF65-F5344CB8AC3E}">
@@ -38074,7 +37736,7 @@
         </p:nvSpPr>
         <p:spPr>
           <a:xfrm>
-            <a:off x="881795" y="3258228"/>
+            <a:off x="881795" y="3461741"/>
             <a:ext cx="5056491" cy="3867389"/>
           </a:xfrm>
           <a:prstGeom prst="rect">
@@ -38565,10 +38227,10 @@
       </p:pic>
       <p:sp>
         <p:nvSpPr>
-          <p:cNvPr id="3" name="TextBox 2">
+          <p:cNvPr id="29" name="TextBox 28">
             <a:extLst>
               <a:ext uri="{FF2B5EF4-FFF2-40B4-BE49-F238E27FC236}">
-                <a16:creationId xmlns:a16="http://schemas.microsoft.com/office/drawing/2014/main" id="{099D32A6-5FA6-44BE-B05A-421E0478161D}"/>
+                <a16:creationId xmlns:a16="http://schemas.microsoft.com/office/drawing/2014/main" id="{6B81DBFE-C7AA-4CA1-9794-17677238DD65}"/>
               </a:ext>
             </a:extLst>
           </p:cNvPr>
@@ -38577,7 +38239,7 @@
         </p:nvSpPr>
         <p:spPr>
           <a:xfrm>
-            <a:off x="963553" y="1897774"/>
+            <a:off x="1242540" y="1719198"/>
             <a:ext cx="2002844" cy="627864"/>
           </a:xfrm>
           <a:prstGeom prst="rect">
@@ -38600,27 +38262,22 @@
               </a:spcAft>
             </a:pPr>
             <a:r>
-              <a:rPr lang="en-US" sz="2400" b="1">
+              <a:rPr lang="en-US" sz="2400" b="1" dirty="0">
                 <a:solidFill>
                   <a:srgbClr val="FFC000"/>
                 </a:solidFill>
               </a:rPr>
               <a:t>TERADATA</a:t>
             </a:r>
-            <a:endParaRPr lang="en-US" sz="2400" b="1" dirty="0">
-              <a:solidFill>
-                <a:srgbClr val="FFC000"/>
-              </a:solidFill>
-            </a:endParaRPr>
           </a:p>
         </p:txBody>
       </p:sp>
       <p:sp>
         <p:nvSpPr>
-          <p:cNvPr id="22" name="TextBox 21">
+          <p:cNvPr id="31" name="TextBox 30">
             <a:extLst>
               <a:ext uri="{FF2B5EF4-FFF2-40B4-BE49-F238E27FC236}">
-                <a16:creationId xmlns:a16="http://schemas.microsoft.com/office/drawing/2014/main" id="{C0E43687-C222-4D49-A603-850FCAA333E0}"/>
+                <a16:creationId xmlns:a16="http://schemas.microsoft.com/office/drawing/2014/main" id="{34DF2FB2-058C-4F4B-BD72-047E1A3799C3}"/>
               </a:ext>
             </a:extLst>
           </p:cNvPr>
@@ -38629,7 +38286,7 @@
         </p:nvSpPr>
         <p:spPr>
           <a:xfrm>
-            <a:off x="1653092" y="1415307"/>
+            <a:off x="1262184" y="1322728"/>
             <a:ext cx="2002844" cy="627864"/>
           </a:xfrm>
           <a:prstGeom prst="rect">
@@ -38664,10 +38321,10 @@
       </p:sp>
       <p:sp>
         <p:nvSpPr>
-          <p:cNvPr id="21" name="TextBox 20">
+          <p:cNvPr id="33" name="TextBox 32">
             <a:extLst>
               <a:ext uri="{FF2B5EF4-FFF2-40B4-BE49-F238E27FC236}">
-                <a16:creationId xmlns:a16="http://schemas.microsoft.com/office/drawing/2014/main" id="{48834CDB-BD23-4D5D-A629-83DBBC17D3D2}"/>
+                <a16:creationId xmlns:a16="http://schemas.microsoft.com/office/drawing/2014/main" id="{A63C4611-2EEF-4FB4-BCEB-3F447E94E93E}"/>
               </a:ext>
             </a:extLst>
           </p:cNvPr>
@@ -38676,7 +38333,7 @@
         </p:nvSpPr>
         <p:spPr>
           <a:xfrm>
-            <a:off x="1717776" y="2372937"/>
+            <a:off x="1242334" y="2144628"/>
             <a:ext cx="2002844" cy="627864"/>
           </a:xfrm>
           <a:prstGeom prst="rect">
@@ -38705,6 +38362,100 @@
                 </a:solidFill>
               </a:rPr>
               <a:t>APS\PDW</a:t>
+            </a:r>
+          </a:p>
+        </p:txBody>
+      </p:sp>
+      <p:sp>
+        <p:nvSpPr>
+          <p:cNvPr id="35" name="TextBox 34">
+            <a:extLst>
+              <a:ext uri="{FF2B5EF4-FFF2-40B4-BE49-F238E27FC236}">
+                <a16:creationId xmlns:a16="http://schemas.microsoft.com/office/drawing/2014/main" id="{ABA0DCAE-D2C5-4886-A956-44F7CEC378A5}"/>
+              </a:ext>
+            </a:extLst>
+          </p:cNvPr>
+          <p:cNvSpPr txBox="1"/>
+          <p:nvPr/>
+        </p:nvSpPr>
+        <p:spPr>
+          <a:xfrm>
+            <a:off x="1278800" y="2553699"/>
+            <a:ext cx="2002844" cy="544765"/>
+          </a:xfrm>
+          <a:prstGeom prst="rect">
+            <a:avLst/>
+          </a:prstGeom>
+          <a:noFill/>
+        </p:spPr>
+        <p:txBody>
+          <a:bodyPr wrap="square" lIns="182880" tIns="146304" rIns="182880" bIns="146304" rtlCol="0">
+            <a:spAutoFit/>
+          </a:bodyPr>
+          <a:lstStyle/>
+          <a:p>
+            <a:pPr>
+              <a:lnSpc>
+                <a:spcPct val="90000"/>
+              </a:lnSpc>
+              <a:spcAft>
+                <a:spcPts val="600"/>
+              </a:spcAft>
+            </a:pPr>
+            <a:r>
+              <a:rPr lang="en-US" b="1" dirty="0">
+                <a:solidFill>
+                  <a:srgbClr val="00B0F0"/>
+                </a:solidFill>
+              </a:rPr>
+              <a:t>Synapse</a:t>
+            </a:r>
+          </a:p>
+        </p:txBody>
+      </p:sp>
+      <p:sp>
+        <p:nvSpPr>
+          <p:cNvPr id="37" name="TextBox 36">
+            <a:extLst>
+              <a:ext uri="{FF2B5EF4-FFF2-40B4-BE49-F238E27FC236}">
+                <a16:creationId xmlns:a16="http://schemas.microsoft.com/office/drawing/2014/main" id="{268A3D4C-0273-4805-9CB7-E9A46E39DADD}"/>
+              </a:ext>
+            </a:extLst>
+          </p:cNvPr>
+          <p:cNvSpPr txBox="1"/>
+          <p:nvPr/>
+        </p:nvSpPr>
+        <p:spPr>
+          <a:xfrm>
+            <a:off x="1268258" y="2941508"/>
+            <a:ext cx="2002844" cy="544765"/>
+          </a:xfrm>
+          <a:prstGeom prst="rect">
+            <a:avLst/>
+          </a:prstGeom>
+          <a:noFill/>
+        </p:spPr>
+        <p:txBody>
+          <a:bodyPr wrap="square" lIns="182880" tIns="146304" rIns="182880" bIns="146304" rtlCol="0">
+            <a:spAutoFit/>
+          </a:bodyPr>
+          <a:lstStyle/>
+          <a:p>
+            <a:pPr>
+              <a:lnSpc>
+                <a:spcPct val="90000"/>
+              </a:lnSpc>
+              <a:spcAft>
+                <a:spcPts val="600"/>
+              </a:spcAft>
+            </a:pPr>
+            <a:r>
+              <a:rPr lang="en-US" b="1" dirty="0">
+                <a:solidFill>
+                  <a:srgbClr val="00B0F0"/>
+                </a:solidFill>
+              </a:rPr>
+              <a:t>Snowflake</a:t>
             </a:r>
           </a:p>
         </p:txBody>
@@ -41753,13 +41504,13 @@
   <p:clrMapOvr>
     <a:masterClrMapping/>
   </p:clrMapOvr>
-  <mc:AlternateContent xmlns:mc="http://schemas.openxmlformats.org/markup-compatibility/2006">
-    <mc:Choice xmlns:p14="http://schemas.microsoft.com/office/powerpoint/2010/main" Requires="p14">
+  <mc:AlternateContent xmlns:mc="http://schemas.openxmlformats.org/markup-compatibility/2006" xmlns:p14="http://schemas.microsoft.com/office/powerpoint/2010/main">
+    <mc:Choice Requires="p14">
       <p:transition spd="med" p14:dur="700">
         <p:fade/>
       </p:transition>
     </mc:Choice>
-    <mc:Fallback>
+    <mc:Fallback xmlns="">
       <p:transition spd="med">
         <p:fade/>
       </p:transition>
@@ -41935,13 +41686,13 @@
   <p:clrMapOvr>
     <a:masterClrMapping/>
   </p:clrMapOvr>
-  <mc:AlternateContent xmlns:mc="http://schemas.openxmlformats.org/markup-compatibility/2006">
-    <mc:Choice xmlns:p14="http://schemas.microsoft.com/office/powerpoint/2010/main" Requires="p14">
+  <mc:AlternateContent xmlns:mc="http://schemas.openxmlformats.org/markup-compatibility/2006" xmlns:p14="http://schemas.microsoft.com/office/powerpoint/2010/main">
+    <mc:Choice Requires="p14">
       <p:transition spd="med" p14:dur="700">
         <p:fade/>
       </p:transition>
     </mc:Choice>
-    <mc:Fallback>
+    <mc:Fallback xmlns="">
       <p:transition spd="med">
         <p:fade/>
       </p:transition>
@@ -44834,13 +44585,13 @@
   <p:clrMapOvr>
     <a:masterClrMapping/>
   </p:clrMapOvr>
-  <mc:AlternateContent xmlns:mc="http://schemas.openxmlformats.org/markup-compatibility/2006">
-    <mc:Choice xmlns:p14="http://schemas.microsoft.com/office/powerpoint/2010/main" Requires="p14">
+  <mc:AlternateContent xmlns:mc="http://schemas.openxmlformats.org/markup-compatibility/2006" xmlns:p14="http://schemas.microsoft.com/office/powerpoint/2010/main">
+    <mc:Choice Requires="p14">
       <p:transition spd="med" p14:dur="700">
         <p:fade/>
       </p:transition>
     </mc:Choice>
-    <mc:Fallback>
+    <mc:Fallback xmlns="">
       <p:transition spd="med">
         <p:fade/>
       </p:transition>
@@ -45311,13 +45062,13 @@
   <p:clrMapOvr>
     <a:masterClrMapping/>
   </p:clrMapOvr>
-  <mc:AlternateContent xmlns:mc="http://schemas.openxmlformats.org/markup-compatibility/2006">
-    <mc:Choice xmlns:p14="http://schemas.microsoft.com/office/powerpoint/2010/main" Requires="p14">
+  <mc:AlternateContent xmlns:mc="http://schemas.openxmlformats.org/markup-compatibility/2006" xmlns:p14="http://schemas.microsoft.com/office/powerpoint/2010/main">
+    <mc:Choice Requires="p14">
       <p:transition spd="med" p14:dur="700">
         <p:fade/>
       </p:transition>
     </mc:Choice>
-    <mc:Fallback>
+    <mc:Fallback xmlns="">
       <p:transition spd="med">
         <p:fade/>
       </p:transition>
@@ -47175,135 +46926,6 @@
           </p:spPr>
         </p:pic>
       </p:grpSp>
-      <p:grpSp>
-        <p:nvGrpSpPr>
-          <p:cNvPr id="14" name="Group 13">
-            <a:extLst>
-              <a:ext uri="{FF2B5EF4-FFF2-40B4-BE49-F238E27FC236}">
-                <a16:creationId xmlns:a16="http://schemas.microsoft.com/office/drawing/2014/main" id="{25333D32-CE47-4B5C-B9BF-8B9F4A2277C4}"/>
-              </a:ext>
-            </a:extLst>
-          </p:cNvPr>
-          <p:cNvGrpSpPr/>
-          <p:nvPr/>
-        </p:nvGrpSpPr>
-        <p:grpSpPr>
-          <a:xfrm>
-            <a:off x="10685953" y="2426907"/>
-            <a:ext cx="1209264" cy="1462339"/>
-            <a:chOff x="9035249" y="2633240"/>
-            <a:chExt cx="1488056" cy="1683074"/>
-          </a:xfrm>
-        </p:grpSpPr>
-        <p:pic>
-          <p:nvPicPr>
-            <p:cNvPr id="15" name="Picture 14">
-              <a:extLst>
-                <a:ext uri="{FF2B5EF4-FFF2-40B4-BE49-F238E27FC236}">
-                  <a16:creationId xmlns:a16="http://schemas.microsoft.com/office/drawing/2014/main" id="{9736002D-6616-4D22-BABA-2C0636FB1F98}"/>
-                </a:ext>
-              </a:extLst>
-            </p:cNvPr>
-            <p:cNvPicPr>
-              <a:picLocks noChangeAspect="1"/>
-            </p:cNvPicPr>
-            <p:nvPr/>
-          </p:nvPicPr>
-          <p:blipFill>
-            <a:blip r:embed="rId6">
-              <a:extLst>
-                <a:ext uri="{28A0092B-C50C-407E-A947-70E740481C1C}">
-                  <a14:useLocalDpi xmlns:a14="http://schemas.microsoft.com/office/drawing/2010/main" val="0"/>
-                </a:ext>
-              </a:extLst>
-            </a:blip>
-            <a:stretch>
-              <a:fillRect/>
-            </a:stretch>
-          </p:blipFill>
-          <p:spPr>
-            <a:xfrm>
-              <a:off x="9294903" y="2633240"/>
-              <a:ext cx="1228402" cy="1201345"/>
-            </a:xfrm>
-            <a:prstGeom prst="rect">
-              <a:avLst/>
-            </a:prstGeom>
-          </p:spPr>
-        </p:pic>
-        <p:pic>
-          <p:nvPicPr>
-            <p:cNvPr id="16" name="Picture 15">
-              <a:extLst>
-                <a:ext uri="{FF2B5EF4-FFF2-40B4-BE49-F238E27FC236}">
-                  <a16:creationId xmlns:a16="http://schemas.microsoft.com/office/drawing/2014/main" id="{76717AAD-1C99-42C9-8912-C0CA318334F1}"/>
-                </a:ext>
-              </a:extLst>
-            </p:cNvPr>
-            <p:cNvPicPr>
-              <a:picLocks noChangeAspect="1"/>
-            </p:cNvPicPr>
-            <p:nvPr/>
-          </p:nvPicPr>
-          <p:blipFill>
-            <a:blip r:embed="rId6">
-              <a:extLst>
-                <a:ext uri="{28A0092B-C50C-407E-A947-70E740481C1C}">
-                  <a14:useLocalDpi xmlns:a14="http://schemas.microsoft.com/office/drawing/2010/main" val="0"/>
-                </a:ext>
-              </a:extLst>
-            </a:blip>
-            <a:stretch>
-              <a:fillRect/>
-            </a:stretch>
-          </p:blipFill>
-          <p:spPr>
-            <a:xfrm>
-              <a:off x="9124994" y="2868723"/>
-              <a:ext cx="1228402" cy="1201345"/>
-            </a:xfrm>
-            <a:prstGeom prst="rect">
-              <a:avLst/>
-            </a:prstGeom>
-          </p:spPr>
-        </p:pic>
-        <p:pic>
-          <p:nvPicPr>
-            <p:cNvPr id="17" name="Picture 16">
-              <a:extLst>
-                <a:ext uri="{FF2B5EF4-FFF2-40B4-BE49-F238E27FC236}">
-                  <a16:creationId xmlns:a16="http://schemas.microsoft.com/office/drawing/2014/main" id="{EF9942FB-D77B-40DC-9C6F-D9E9F7647766}"/>
-                </a:ext>
-              </a:extLst>
-            </p:cNvPr>
-            <p:cNvPicPr>
-              <a:picLocks noChangeAspect="1"/>
-            </p:cNvPicPr>
-            <p:nvPr/>
-          </p:nvPicPr>
-          <p:blipFill>
-            <a:blip r:embed="rId6">
-              <a:extLst>
-                <a:ext uri="{28A0092B-C50C-407E-A947-70E740481C1C}">
-                  <a14:useLocalDpi xmlns:a14="http://schemas.microsoft.com/office/drawing/2010/main" val="0"/>
-                </a:ext>
-              </a:extLst>
-            </a:blip>
-            <a:stretch>
-              <a:fillRect/>
-            </a:stretch>
-          </p:blipFill>
-          <p:spPr>
-            <a:xfrm>
-              <a:off x="9035249" y="3114969"/>
-              <a:ext cx="1228402" cy="1201345"/>
-            </a:xfrm>
-            <a:prstGeom prst="rect">
-              <a:avLst/>
-            </a:prstGeom>
-          </p:spPr>
-        </p:pic>
-      </p:grpSp>
       <p:sp>
         <p:nvSpPr>
           <p:cNvPr id="18" name="Arrow: Right 17">
@@ -47467,8 +47089,8 @@
         </p:nvSpPr>
         <p:spPr>
           <a:xfrm>
-            <a:off x="5916824" y="4080496"/>
-            <a:ext cx="2214914" cy="2118849"/>
+            <a:off x="5545390" y="4193970"/>
+            <a:ext cx="1584765" cy="2394229"/>
           </a:xfrm>
           <a:prstGeom prst="rect">
             <a:avLst/>
@@ -47797,8 +47419,8 @@
         </p:nvSpPr>
         <p:spPr>
           <a:xfrm>
-            <a:off x="8790156" y="1735398"/>
-            <a:ext cx="1754176" cy="1464744"/>
+            <a:off x="8909331" y="2788665"/>
+            <a:ext cx="1754176" cy="456776"/>
           </a:xfrm>
           <a:prstGeom prst="rect">
             <a:avLst/>
@@ -47834,95 +47456,22 @@
                 </a:gradFill>
                 <a:latin typeface="Segoe UI"/>
               </a:rPr>
-              <a:t>Additional PowerShell Scripts Processing Available</a:t>
-            </a:r>
-          </a:p>
-          <a:p>
-            <a:pPr marL="174862" indent="-174862" defTabSz="932597">
-              <a:lnSpc>
-                <a:spcPct val="90000"/>
-              </a:lnSpc>
-              <a:spcAft>
-                <a:spcPts val="612"/>
-              </a:spcAft>
-              <a:buFont typeface="Arial" panose="020B0604020202020204" pitchFamily="34" charset="0"/>
-              <a:buChar char="•"/>
-            </a:pPr>
-            <a:r>
-              <a:rPr lang="en-US" sz="1122" dirty="0">
-                <a:gradFill>
-                  <a:gsLst>
-                    <a:gs pos="2917">
-                      <a:srgbClr val="000000"/>
-                    </a:gs>
-                    <a:gs pos="30000">
-                      <a:srgbClr val="000000"/>
-                    </a:gs>
-                  </a:gsLst>
-                  <a:lin ang="5400000" scaled="0"/>
-                </a:gradFill>
-                <a:latin typeface="Segoe UI"/>
-              </a:rPr>
-              <a:t>Aggregates</a:t>
-            </a:r>
-          </a:p>
-          <a:p>
-            <a:pPr marL="174862" indent="-174862" defTabSz="932597">
-              <a:lnSpc>
-                <a:spcPct val="90000"/>
-              </a:lnSpc>
-              <a:spcAft>
-                <a:spcPts val="612"/>
-              </a:spcAft>
-              <a:buFont typeface="Arial" panose="020B0604020202020204" pitchFamily="34" charset="0"/>
-              <a:buChar char="•"/>
-            </a:pPr>
-            <a:r>
-              <a:rPr lang="en-US" sz="1122" dirty="0">
-                <a:gradFill>
-                  <a:gsLst>
-                    <a:gs pos="2917">
-                      <a:srgbClr val="000000"/>
-                    </a:gs>
-                    <a:gs pos="30000">
-                      <a:srgbClr val="000000"/>
-                    </a:gs>
-                  </a:gsLst>
-                  <a:lin ang="5400000" scaled="0"/>
-                </a:gradFill>
-                <a:latin typeface="Segoe UI"/>
-              </a:rPr>
-              <a:t>Summary</a:t>
-            </a:r>
-          </a:p>
-          <a:p>
-            <a:pPr marL="174862" indent="-174862" defTabSz="932597">
-              <a:lnSpc>
-                <a:spcPct val="90000"/>
-              </a:lnSpc>
-              <a:spcAft>
-                <a:spcPts val="612"/>
-              </a:spcAft>
-              <a:buFont typeface="Arial" panose="020B0604020202020204" pitchFamily="34" charset="0"/>
-              <a:buChar char="•"/>
-            </a:pPr>
-            <a:r>
-              <a:rPr lang="en-US" sz="1122" dirty="0">
-                <a:gradFill>
-                  <a:gsLst>
-                    <a:gs pos="2917">
-                      <a:srgbClr val="000000"/>
-                    </a:gs>
-                    <a:gs pos="30000">
-                      <a:srgbClr val="000000"/>
-                    </a:gs>
-                  </a:gsLst>
-                  <a:lin ang="5400000" scaled="0"/>
-                </a:gradFill>
-                <a:latin typeface="Segoe UI"/>
-              </a:rPr>
-              <a:t>Pivot Tables</a:t>
-            </a:r>
+              <a:t>Report:</a:t>
+            </a:r>
+            <a:endParaRPr lang="en-US" sz="1122" dirty="0">
+              <a:gradFill>
+                <a:gsLst>
+                  <a:gs pos="2917">
+                    <a:srgbClr val="000000"/>
+                  </a:gs>
+                  <a:gs pos="30000">
+                    <a:srgbClr val="000000"/>
+                  </a:gs>
+                </a:gsLst>
+                <a:lin ang="5400000" scaled="0"/>
+              </a:gradFill>
+              <a:latin typeface="Segoe UI"/>
+            </a:endParaRPr>
           </a:p>
         </p:txBody>
       </p:sp>
@@ -48092,8 +47641,8 @@
         </p:nvSpPr>
         <p:spPr>
           <a:xfrm>
-            <a:off x="7948492" y="4080495"/>
-            <a:ext cx="2214914" cy="2083375"/>
+            <a:off x="6991293" y="4146420"/>
+            <a:ext cx="1519214" cy="2549656"/>
           </a:xfrm>
           <a:prstGeom prst="rect">
             <a:avLst/>
@@ -48344,7 +47893,7 @@
           <p:nvPr/>
         </p:nvPicPr>
         <p:blipFill>
-          <a:blip r:embed="rId7"/>
+          <a:blip r:embed="rId6"/>
           <a:stretch>
             <a:fillRect/>
           </a:stretch>
@@ -48373,7 +47922,7 @@
         </p:nvSpPr>
         <p:spPr>
           <a:xfrm>
-            <a:off x="17244" y="3054745"/>
+            <a:off x="-127140" y="2670343"/>
             <a:ext cx="2002844" cy="627864"/>
           </a:xfrm>
           <a:prstGeom prst="rect">
@@ -48420,7 +47969,7 @@
         </p:nvSpPr>
         <p:spPr>
           <a:xfrm>
-            <a:off x="706783" y="2572278"/>
+            <a:off x="-32498" y="2209440"/>
             <a:ext cx="2002844" cy="627864"/>
           </a:xfrm>
           <a:prstGeom prst="rect">
@@ -48467,7 +48016,7 @@
         </p:nvSpPr>
         <p:spPr>
           <a:xfrm>
-            <a:off x="585110" y="3578271"/>
+            <a:off x="-93094" y="3166750"/>
             <a:ext cx="2002844" cy="627864"/>
           </a:xfrm>
           <a:prstGeom prst="rect">
@@ -48496,6 +48045,197 @@
                 </a:solidFill>
               </a:rPr>
               <a:t>APS\PDW</a:t>
+            </a:r>
+          </a:p>
+        </p:txBody>
+      </p:sp>
+      <p:pic>
+        <p:nvPicPr>
+          <p:cNvPr id="1026" name="Picture 2">
+            <a:extLst>
+              <a:ext uri="{FF2B5EF4-FFF2-40B4-BE49-F238E27FC236}">
+                <a16:creationId xmlns:a16="http://schemas.microsoft.com/office/drawing/2014/main" id="{20AE6F85-8AE6-412A-8A37-C1334CA6C407}"/>
+              </a:ext>
+            </a:extLst>
+          </p:cNvPr>
+          <p:cNvPicPr>
+            <a:picLocks noChangeAspect="1" noChangeArrowheads="1"/>
+          </p:cNvPicPr>
+          <p:nvPr/>
+        </p:nvPicPr>
+        <p:blipFill>
+          <a:blip r:embed="rId7">
+            <a:extLst>
+              <a:ext uri="{28A0092B-C50C-407E-A947-70E740481C1C}">
+                <a14:useLocalDpi xmlns:a14="http://schemas.microsoft.com/office/drawing/2010/main" val="0"/>
+              </a:ext>
+            </a:extLst>
+          </a:blip>
+          <a:srcRect/>
+          <a:stretch>
+            <a:fillRect/>
+          </a:stretch>
+        </p:blipFill>
+        <p:spPr bwMode="auto">
+          <a:xfrm>
+            <a:off x="10409629" y="2712516"/>
+            <a:ext cx="1581150" cy="1266825"/>
+          </a:xfrm>
+          <a:prstGeom prst="rect">
+            <a:avLst/>
+          </a:prstGeom>
+          <a:noFill/>
+          <a:extLst>
+            <a:ext uri="{909E8E84-426E-40DD-AFC4-6F175D3DCCD1}">
+              <a14:hiddenFill xmlns:a14="http://schemas.microsoft.com/office/drawing/2010/main">
+                <a:solidFill>
+                  <a:srgbClr val="FFFFFF"/>
+                </a:solidFill>
+              </a14:hiddenFill>
+            </a:ext>
+          </a:extLst>
+        </p:spPr>
+      </p:pic>
+      <p:sp>
+        <p:nvSpPr>
+          <p:cNvPr id="35" name="TextBox 34">
+            <a:extLst>
+              <a:ext uri="{FF2B5EF4-FFF2-40B4-BE49-F238E27FC236}">
+                <a16:creationId xmlns:a16="http://schemas.microsoft.com/office/drawing/2014/main" id="{5B26D174-3D1F-43BE-AB56-BDF5AEC9308E}"/>
+              </a:ext>
+            </a:extLst>
+          </p:cNvPr>
+          <p:cNvSpPr txBox="1"/>
+          <p:nvPr/>
+        </p:nvSpPr>
+        <p:spPr>
+          <a:xfrm>
+            <a:off x="-59048" y="3618365"/>
+            <a:ext cx="2002844" cy="627864"/>
+          </a:xfrm>
+          <a:prstGeom prst="rect">
+            <a:avLst/>
+          </a:prstGeom>
+          <a:noFill/>
+        </p:spPr>
+        <p:txBody>
+          <a:bodyPr wrap="square" lIns="182880" tIns="146304" rIns="182880" bIns="146304" rtlCol="0">
+            <a:spAutoFit/>
+          </a:bodyPr>
+          <a:lstStyle/>
+          <a:p>
+            <a:pPr>
+              <a:lnSpc>
+                <a:spcPct val="90000"/>
+              </a:lnSpc>
+              <a:spcAft>
+                <a:spcPts val="600"/>
+              </a:spcAft>
+            </a:pPr>
+            <a:r>
+              <a:rPr lang="en-US" sz="2400" b="1" dirty="0">
+                <a:solidFill>
+                  <a:srgbClr val="002060"/>
+                </a:solidFill>
+              </a:rPr>
+              <a:t>Synapse</a:t>
+            </a:r>
+          </a:p>
+        </p:txBody>
+      </p:sp>
+      <p:sp>
+        <p:nvSpPr>
+          <p:cNvPr id="40" name="TextBox 39">
+            <a:extLst>
+              <a:ext uri="{FF2B5EF4-FFF2-40B4-BE49-F238E27FC236}">
+                <a16:creationId xmlns:a16="http://schemas.microsoft.com/office/drawing/2014/main" id="{72094861-FABD-4CEB-943C-7A7FBCDC7C7A}"/>
+              </a:ext>
+            </a:extLst>
+          </p:cNvPr>
+          <p:cNvSpPr txBox="1"/>
+          <p:nvPr/>
+        </p:nvSpPr>
+        <p:spPr>
+          <a:xfrm>
+            <a:off x="0" y="4383912"/>
+            <a:ext cx="2002844" cy="627864"/>
+          </a:xfrm>
+          <a:prstGeom prst="rect">
+            <a:avLst/>
+          </a:prstGeom>
+          <a:noFill/>
+        </p:spPr>
+        <p:txBody>
+          <a:bodyPr wrap="square" lIns="182880" tIns="146304" rIns="182880" bIns="146304" rtlCol="0">
+            <a:spAutoFit/>
+          </a:bodyPr>
+          <a:lstStyle/>
+          <a:p>
+            <a:pPr>
+              <a:lnSpc>
+                <a:spcPct val="90000"/>
+              </a:lnSpc>
+              <a:spcAft>
+                <a:spcPts val="600"/>
+              </a:spcAft>
+            </a:pPr>
+            <a:r>
+              <a:rPr lang="en-US" sz="2400" b="1" dirty="0">
+                <a:solidFill>
+                  <a:srgbClr val="00B0F0"/>
+                </a:solidFill>
+              </a:rPr>
+              <a:t>Snowflake</a:t>
+            </a:r>
+          </a:p>
+        </p:txBody>
+      </p:sp>
+      <p:sp>
+        <p:nvSpPr>
+          <p:cNvPr id="42" name="TextBox 41">
+            <a:extLst>
+              <a:ext uri="{FF2B5EF4-FFF2-40B4-BE49-F238E27FC236}">
+                <a16:creationId xmlns:a16="http://schemas.microsoft.com/office/drawing/2014/main" id="{E9A8E9CA-2A8F-424E-94FA-157C1D0D13DF}"/>
+              </a:ext>
+            </a:extLst>
+          </p:cNvPr>
+          <p:cNvSpPr txBox="1"/>
+          <p:nvPr/>
+        </p:nvSpPr>
+        <p:spPr>
+          <a:xfrm>
+            <a:off x="-50855" y="3979341"/>
+            <a:ext cx="2002844" cy="627864"/>
+          </a:xfrm>
+          <a:prstGeom prst="rect">
+            <a:avLst/>
+          </a:prstGeom>
+          <a:noFill/>
+        </p:spPr>
+        <p:txBody>
+          <a:bodyPr wrap="square" lIns="182880" tIns="146304" rIns="182880" bIns="146304" rtlCol="0">
+            <a:spAutoFit/>
+          </a:bodyPr>
+          <a:lstStyle/>
+          <a:p>
+            <a:pPr>
+              <a:lnSpc>
+                <a:spcPct val="90000"/>
+              </a:lnSpc>
+              <a:spcAft>
+                <a:spcPts val="600"/>
+              </a:spcAft>
+            </a:pPr>
+            <a:r>
+              <a:rPr lang="en-US" sz="2400" b="1" dirty="0">
+                <a:solidFill>
+                  <a:schemeClr val="accent3">
+                    <a:lumMod val="60000"/>
+                    <a:lumOff val="40000"/>
+                  </a:schemeClr>
+                </a:solidFill>
+              </a:rPr>
+              <a:t>SQLServer</a:t>
             </a:r>
           </a:p>
         </p:txBody>
@@ -49696,22 +49436,6 @@
 </file>
 
 <file path=customXml/item1.xml><?xml version="1.0" encoding="utf-8"?>
-<p:properties xmlns:p="http://schemas.microsoft.com/office/2006/metadata/properties" xmlns:xsi="http://www.w3.org/2001/XMLSchema-instance" xmlns:pc="http://schemas.microsoft.com/office/infopath/2007/PartnerControls">
-  <documentManagement>
-    <LastSharedByUser xmlns="738c2dd8-7dd6-440d-aa04-76a8929a2564">v-aniwal@microsoft.com</LastSharedByUser>
-    <SharedWithUsers xmlns="738c2dd8-7dd6-440d-aa04-76a8929a2564">
-      <UserInfo>
-        <DisplayName>Winnie Crockett (Brook Street)</DisplayName>
-        <AccountId>24292</AccountId>
-        <AccountType/>
-      </UserInfo>
-    </SharedWithUsers>
-    <LastSharedByTime xmlns="738c2dd8-7dd6-440d-aa04-76a8929a2564">2018-04-19T19:58:02+00:00</LastSharedByTime>
-  </documentManagement>
-</p:properties>
-</file>
-
-<file path=customXml/item2.xml><?xml version="1.0" encoding="utf-8"?>
 <ct:contentTypeSchema xmlns:ct="http://schemas.microsoft.com/office/2006/metadata/contentType" xmlns:ma="http://schemas.microsoft.com/office/2006/metadata/properties/metaAttributes" ct:_="" ma:_="" ma:contentTypeName="Document" ma:contentTypeID="0x010100690242BDE30F014F83329AA536B70806" ma:contentTypeVersion="6" ma:contentTypeDescription="Create a new document." ma:contentTypeScope="" ma:versionID="e0fedd017d5f6639f16fec2ad91cfd15">
   <xsd:schema xmlns:xsd="http://www.w3.org/2001/XMLSchema" xmlns:xs="http://www.w3.org/2001/XMLSchema" xmlns:p="http://schemas.microsoft.com/office/2006/metadata/properties" xmlns:ns2="b018db0b-322c-4925-9fdb-2f34949f0610" xmlns:ns3="738c2dd8-7dd6-440d-aa04-76a8929a2564" targetNamespace="http://schemas.microsoft.com/office/2006/metadata/properties" ma:root="true" ma:fieldsID="46fe0d45731c3e094620c3fe624508b9" ns2:_="" ns3:_="">
     <xsd:import namespace="b018db0b-322c-4925-9fdb-2f34949f0610"/>
@@ -49888,7 +49612,7 @@
 </ct:contentTypeSchema>
 </file>
 
-<file path=customXml/item3.xml><?xml version="1.0" encoding="utf-8"?>
+<file path=customXml/item2.xml><?xml version="1.0" encoding="utf-8"?>
 <?mso-contentType ?>
 <FormTemplates xmlns="http://schemas.microsoft.com/sharepoint/v3/contenttype/forms">
   <Display>DocumentLibraryForm</Display>
@@ -49897,24 +49621,23 @@
 </FormTemplates>
 </file>
 
-<file path=customXml/itemProps1.xml><?xml version="1.0" encoding="utf-8"?>
-<ds:datastoreItem xmlns:ds="http://schemas.openxmlformats.org/officeDocument/2006/customXml" ds:itemID="{A5FE19FB-38FB-4FC7-990B-E59390BC385E}">
-  <ds:schemaRefs>
-    <ds:schemaRef ds:uri="http://schemas.microsoft.com/office/2006/documentManagement/types"/>
-    <ds:schemaRef ds:uri="http://purl.org/dc/terms/"/>
-    <ds:schemaRef ds:uri="http://schemas.openxmlformats.org/package/2006/metadata/core-properties"/>
-    <ds:schemaRef ds:uri="b018db0b-322c-4925-9fdb-2f34949f0610"/>
-    <ds:schemaRef ds:uri="http://purl.org/dc/dcmitype/"/>
-    <ds:schemaRef ds:uri="http://schemas.microsoft.com/office/infopath/2007/PartnerControls"/>
-    <ds:schemaRef ds:uri="http://purl.org/dc/elements/1.1/"/>
-    <ds:schemaRef ds:uri="http://schemas.microsoft.com/office/2006/metadata/properties"/>
-    <ds:schemaRef ds:uri="738c2dd8-7dd6-440d-aa04-76a8929a2564"/>
-    <ds:schemaRef ds:uri="http://www.w3.org/XML/1998/namespace"/>
-  </ds:schemaRefs>
-</ds:datastoreItem>
+<file path=customXml/item3.xml><?xml version="1.0" encoding="utf-8"?>
+<p:properties xmlns:p="http://schemas.microsoft.com/office/2006/metadata/properties" xmlns:xsi="http://www.w3.org/2001/XMLSchema-instance" xmlns:pc="http://schemas.microsoft.com/office/infopath/2007/PartnerControls">
+  <documentManagement>
+    <LastSharedByUser xmlns="738c2dd8-7dd6-440d-aa04-76a8929a2564">v-aniwal@microsoft.com</LastSharedByUser>
+    <SharedWithUsers xmlns="738c2dd8-7dd6-440d-aa04-76a8929a2564">
+      <UserInfo>
+        <DisplayName>Winnie Crockett (Brook Street)</DisplayName>
+        <AccountId>24292</AccountId>
+        <AccountType/>
+      </UserInfo>
+    </SharedWithUsers>
+    <LastSharedByTime xmlns="738c2dd8-7dd6-440d-aa04-76a8929a2564">2018-04-19T19:58:02+00:00</LastSharedByTime>
+  </documentManagement>
+</p:properties>
 </file>
 
-<file path=customXml/itemProps2.xml><?xml version="1.0" encoding="utf-8"?>
+<file path=customXml/itemProps1.xml><?xml version="1.0" encoding="utf-8"?>
 <ds:datastoreItem xmlns:ds="http://schemas.openxmlformats.org/officeDocument/2006/customXml" ds:itemID="{2108D6E0-4344-4911-B345-C69C6661FA86}">
   <ds:schemaRefs>
     <ds:schemaRef ds:uri="http://schemas.microsoft.com/office/2006/metadata/contentType"/>
@@ -49933,10 +49656,27 @@
 </ds:datastoreItem>
 </file>
 
-<file path=customXml/itemProps3.xml><?xml version="1.0" encoding="utf-8"?>
+<file path=customXml/itemProps2.xml><?xml version="1.0" encoding="utf-8"?>
 <ds:datastoreItem xmlns:ds="http://schemas.openxmlformats.org/officeDocument/2006/customXml" ds:itemID="{43E27C34-01A3-4E4B-BAB7-97410D48DB69}">
   <ds:schemaRefs>
     <ds:schemaRef ds:uri="http://schemas.microsoft.com/sharepoint/v3/contenttype/forms"/>
+  </ds:schemaRefs>
+</ds:datastoreItem>
+</file>
+
+<file path=customXml/itemProps3.xml><?xml version="1.0" encoding="utf-8"?>
+<ds:datastoreItem xmlns:ds="http://schemas.openxmlformats.org/officeDocument/2006/customXml" ds:itemID="{A5FE19FB-38FB-4FC7-990B-E59390BC385E}">
+  <ds:schemaRefs>
+    <ds:schemaRef ds:uri="http://schemas.microsoft.com/office/2006/documentManagement/types"/>
+    <ds:schemaRef ds:uri="http://purl.org/dc/terms/"/>
+    <ds:schemaRef ds:uri="http://schemas.openxmlformats.org/package/2006/metadata/core-properties"/>
+    <ds:schemaRef ds:uri="b018db0b-322c-4925-9fdb-2f34949f0610"/>
+    <ds:schemaRef ds:uri="http://purl.org/dc/dcmitype/"/>
+    <ds:schemaRef ds:uri="http://schemas.microsoft.com/office/infopath/2007/PartnerControls"/>
+    <ds:schemaRef ds:uri="http://purl.org/dc/elements/1.1/"/>
+    <ds:schemaRef ds:uri="http://schemas.microsoft.com/office/2006/metadata/properties"/>
+    <ds:schemaRef ds:uri="738c2dd8-7dd6-440d-aa04-76a8929a2564"/>
+    <ds:schemaRef ds:uri="http://www.w3.org/XML/1998/namespace"/>
   </ds:schemaRefs>
 </ds:datastoreItem>
 </file>
